--- a/docs/diagrams/HighLevelSequenceDiagrams.pptx
+++ b/docs/diagrams/HighLevelSequenceDiagrams.pptx
@@ -1,14 +1,16 @@
 
 <file path=ppt/presentation.xml><?xml version="1.0" encoding="utf-8"?>
-<p:presentation xmlns:a="http://schemas.openxmlformats.org/drawingml/2006/main" xmlns:r="http://schemas.openxmlformats.org/officeDocument/2006/relationships" xmlns:p="http://schemas.openxmlformats.org/presentationml/2006/main" saveSubsetFonts="1">
+<p:presentation xmlns:a="http://schemas.openxmlformats.org/drawingml/2006/main" xmlns:r="http://schemas.openxmlformats.org/officeDocument/2006/relationships" xmlns:p="http://schemas.openxmlformats.org/presentationml/2006/main">
   <p:sldMasterIdLst>
     <p:sldMasterId id="2147483648" r:id="rId1"/>
   </p:sldMasterIdLst>
   <p:notesMasterIdLst>
-    <p:notesMasterId r:id="rId3"/>
+    <p:notesMasterId r:id="rId6"/>
   </p:notesMasterIdLst>
   <p:sldIdLst>
-    <p:sldId id="266" r:id="rId2"/>
+    <p:sldId id="266" r:id="rId3"/>
+    <p:sldId id="267" r:id="rId4"/>
+    <p:sldId id="268" r:id="rId5"/>
   </p:sldIdLst>
   <p:sldSz cx="9144000" cy="6858000" type="screen4x3"/>
   <p:notesSz cx="6858000" cy="9144000"/>
@@ -192,7 +194,6 @@
           <a:p>
             <a:fld id="{F5CC4B3F-88C1-4FFA-B1B6-F41C21DC6924}" type="datetimeFigureOut">
               <a:rPr lang="en-US" smtClean="0"/>
-              <a:t>10/16/2016</a:t>
             </a:fld>
             <a:endParaRPr lang="en-US"/>
           </a:p>
@@ -259,6 +260,7 @@
               <a:rPr lang="en-US" smtClean="0"/>
               <a:t>Click to edit Master text styles</a:t>
             </a:r>
+            <a:endParaRPr lang="en-US" smtClean="0"/>
           </a:p>
           <a:p>
             <a:pPr lvl="1"/>
@@ -266,6 +268,7 @@
               <a:rPr lang="en-US" smtClean="0"/>
               <a:t>Second level</a:t>
             </a:r>
+            <a:endParaRPr lang="en-US" smtClean="0"/>
           </a:p>
           <a:p>
             <a:pPr lvl="2"/>
@@ -273,6 +276,7 @@
               <a:rPr lang="en-US" smtClean="0"/>
               <a:t>Third level</a:t>
             </a:r>
+            <a:endParaRPr lang="en-US" smtClean="0"/>
           </a:p>
           <a:p>
             <a:pPr lvl="3"/>
@@ -280,6 +284,7 @@
               <a:rPr lang="en-US" smtClean="0"/>
               <a:t>Fourth level</a:t>
             </a:r>
+            <a:endParaRPr lang="en-US" smtClean="0"/>
           </a:p>
           <a:p>
             <a:pPr lvl="4"/>
@@ -351,18 +356,12 @@
           <a:p>
             <a:fld id="{5A7AB025-77E3-4BD1-A2FD-B3183DBA47A3}" type="slidenum">
               <a:rPr lang="en-US" smtClean="0"/>
-              <a:t>‹#›</a:t>
             </a:fld>
             <a:endParaRPr lang="en-US"/>
           </a:p>
         </p:txBody>
       </p:sp>
     </p:spTree>
-    <p:extLst>
-      <p:ext uri="{BB962C8B-B14F-4D97-AF65-F5344CB8AC3E}">
-        <p14:creationId xmlns:p14="http://schemas.microsoft.com/office/powerpoint/2010/main" val="2023976206"/>
-      </p:ext>
-    </p:extLst>
   </p:cSld>
   <p:clrMap bg1="lt1" tx1="dk1" bg2="lt2" tx2="dk2" accent1="accent1" accent2="accent2" accent3="accent3" accent4="accent4" accent5="accent5" accent6="accent6" hlink="hlink" folHlink="folHlink"/>
   <p:notesStyle>
@@ -641,7 +640,6 @@
           <a:p>
             <a:fld id="{78C97017-6FC3-485B-9764-EAC9E56C1D49}" type="datetimeFigureOut">
               <a:rPr lang="en-US" smtClean="0"/>
-              <a:t>10/16/2016</a:t>
             </a:fld>
             <a:endParaRPr lang="en-US"/>
           </a:p>
@@ -683,18 +681,12 @@
           <a:p>
             <a:fld id="{FB34683C-161B-4520-BF45-B179E228CF2A}" type="slidenum">
               <a:rPr lang="en-US" smtClean="0"/>
-              <a:t>‹#›</a:t>
             </a:fld>
             <a:endParaRPr lang="en-US"/>
           </a:p>
         </p:txBody>
       </p:sp>
     </p:spTree>
-    <p:extLst>
-      <p:ext uri="{BB962C8B-B14F-4D97-AF65-F5344CB8AC3E}">
-        <p14:creationId xmlns:p14="http://schemas.microsoft.com/office/powerpoint/2010/main" val="3246593157"/>
-      </p:ext>
-    </p:extLst>
   </p:cSld>
   <p:clrMapOvr>
     <a:masterClrMapping/>
@@ -762,6 +754,7 @@
               <a:rPr lang="en-US" smtClean="0"/>
               <a:t>Click to edit Master text styles</a:t>
             </a:r>
+            <a:endParaRPr lang="en-US" smtClean="0"/>
           </a:p>
           <a:p>
             <a:pPr lvl="1"/>
@@ -769,6 +762,7 @@
               <a:rPr lang="en-US" smtClean="0"/>
               <a:t>Second level</a:t>
             </a:r>
+            <a:endParaRPr lang="en-US" smtClean="0"/>
           </a:p>
           <a:p>
             <a:pPr lvl="2"/>
@@ -776,6 +770,7 @@
               <a:rPr lang="en-US" smtClean="0"/>
               <a:t>Third level</a:t>
             </a:r>
+            <a:endParaRPr lang="en-US" smtClean="0"/>
           </a:p>
           <a:p>
             <a:pPr lvl="3"/>
@@ -783,6 +778,7 @@
               <a:rPr lang="en-US" smtClean="0"/>
               <a:t>Fourth level</a:t>
             </a:r>
+            <a:endParaRPr lang="en-US" smtClean="0"/>
           </a:p>
           <a:p>
             <a:pPr lvl="4"/>
@@ -811,7 +807,6 @@
           <a:p>
             <a:fld id="{78C97017-6FC3-485B-9764-EAC9E56C1D49}" type="datetimeFigureOut">
               <a:rPr lang="en-US" smtClean="0"/>
-              <a:t>10/16/2016</a:t>
             </a:fld>
             <a:endParaRPr lang="en-US"/>
           </a:p>
@@ -853,18 +848,12 @@
           <a:p>
             <a:fld id="{FB34683C-161B-4520-BF45-B179E228CF2A}" type="slidenum">
               <a:rPr lang="en-US" smtClean="0"/>
-              <a:t>‹#›</a:t>
             </a:fld>
             <a:endParaRPr lang="en-US"/>
           </a:p>
         </p:txBody>
       </p:sp>
     </p:spTree>
-    <p:extLst>
-      <p:ext uri="{BB962C8B-B14F-4D97-AF65-F5344CB8AC3E}">
-        <p14:creationId xmlns:p14="http://schemas.microsoft.com/office/powerpoint/2010/main" val="2707025021"/>
-      </p:ext>
-    </p:extLst>
   </p:cSld>
   <p:clrMapOvr>
     <a:masterClrMapping/>
@@ -942,6 +931,7 @@
               <a:rPr lang="en-US" smtClean="0"/>
               <a:t>Click to edit Master text styles</a:t>
             </a:r>
+            <a:endParaRPr lang="en-US" smtClean="0"/>
           </a:p>
           <a:p>
             <a:pPr lvl="1"/>
@@ -949,6 +939,7 @@
               <a:rPr lang="en-US" smtClean="0"/>
               <a:t>Second level</a:t>
             </a:r>
+            <a:endParaRPr lang="en-US" smtClean="0"/>
           </a:p>
           <a:p>
             <a:pPr lvl="2"/>
@@ -956,6 +947,7 @@
               <a:rPr lang="en-US" smtClean="0"/>
               <a:t>Third level</a:t>
             </a:r>
+            <a:endParaRPr lang="en-US" smtClean="0"/>
           </a:p>
           <a:p>
             <a:pPr lvl="3"/>
@@ -963,6 +955,7 @@
               <a:rPr lang="en-US" smtClean="0"/>
               <a:t>Fourth level</a:t>
             </a:r>
+            <a:endParaRPr lang="en-US" smtClean="0"/>
           </a:p>
           <a:p>
             <a:pPr lvl="4"/>
@@ -991,7 +984,6 @@
           <a:p>
             <a:fld id="{78C97017-6FC3-485B-9764-EAC9E56C1D49}" type="datetimeFigureOut">
               <a:rPr lang="en-US" smtClean="0"/>
-              <a:t>10/16/2016</a:t>
             </a:fld>
             <a:endParaRPr lang="en-US"/>
           </a:p>
@@ -1033,18 +1025,12 @@
           <a:p>
             <a:fld id="{FB34683C-161B-4520-BF45-B179E228CF2A}" type="slidenum">
               <a:rPr lang="en-US" smtClean="0"/>
-              <a:t>‹#›</a:t>
             </a:fld>
             <a:endParaRPr lang="en-US"/>
           </a:p>
         </p:txBody>
       </p:sp>
     </p:spTree>
-    <p:extLst>
-      <p:ext uri="{BB962C8B-B14F-4D97-AF65-F5344CB8AC3E}">
-        <p14:creationId xmlns:p14="http://schemas.microsoft.com/office/powerpoint/2010/main" val="568378986"/>
-      </p:ext>
-    </p:extLst>
   </p:cSld>
   <p:clrMapOvr>
     <a:masterClrMapping/>
@@ -1112,6 +1098,7 @@
               <a:rPr lang="en-US" smtClean="0"/>
               <a:t>Click to edit Master text styles</a:t>
             </a:r>
+            <a:endParaRPr lang="en-US" smtClean="0"/>
           </a:p>
           <a:p>
             <a:pPr lvl="1"/>
@@ -1119,6 +1106,7 @@
               <a:rPr lang="en-US" smtClean="0"/>
               <a:t>Second level</a:t>
             </a:r>
+            <a:endParaRPr lang="en-US" smtClean="0"/>
           </a:p>
           <a:p>
             <a:pPr lvl="2"/>
@@ -1126,6 +1114,7 @@
               <a:rPr lang="en-US" smtClean="0"/>
               <a:t>Third level</a:t>
             </a:r>
+            <a:endParaRPr lang="en-US" smtClean="0"/>
           </a:p>
           <a:p>
             <a:pPr lvl="3"/>
@@ -1133,6 +1122,7 @@
               <a:rPr lang="en-US" smtClean="0"/>
               <a:t>Fourth level</a:t>
             </a:r>
+            <a:endParaRPr lang="en-US" smtClean="0"/>
           </a:p>
           <a:p>
             <a:pPr lvl="4"/>
@@ -1161,7 +1151,6 @@
           <a:p>
             <a:fld id="{78C97017-6FC3-485B-9764-EAC9E56C1D49}" type="datetimeFigureOut">
               <a:rPr lang="en-US" smtClean="0"/>
-              <a:t>10/16/2016</a:t>
             </a:fld>
             <a:endParaRPr lang="en-US"/>
           </a:p>
@@ -1203,18 +1192,12 @@
           <a:p>
             <a:fld id="{FB34683C-161B-4520-BF45-B179E228CF2A}" type="slidenum">
               <a:rPr lang="en-US" smtClean="0"/>
-              <a:t>‹#›</a:t>
             </a:fld>
             <a:endParaRPr lang="en-US"/>
           </a:p>
         </p:txBody>
       </p:sp>
     </p:spTree>
-    <p:extLst>
-      <p:ext uri="{BB962C8B-B14F-4D97-AF65-F5344CB8AC3E}">
-        <p14:creationId xmlns:p14="http://schemas.microsoft.com/office/powerpoint/2010/main" val="266658052"/>
-      </p:ext>
-    </p:extLst>
   </p:cSld>
   <p:clrMapOvr>
     <a:masterClrMapping/>
@@ -1387,6 +1370,7 @@
               <a:rPr lang="en-US" smtClean="0"/>
               <a:t>Click to edit Master text styles</a:t>
             </a:r>
+            <a:endParaRPr lang="en-US" smtClean="0"/>
           </a:p>
         </p:txBody>
       </p:sp>
@@ -1407,7 +1391,6 @@
           <a:p>
             <a:fld id="{78C97017-6FC3-485B-9764-EAC9E56C1D49}" type="datetimeFigureOut">
               <a:rPr lang="en-US" smtClean="0"/>
-              <a:t>10/16/2016</a:t>
             </a:fld>
             <a:endParaRPr lang="en-US"/>
           </a:p>
@@ -1449,18 +1432,12 @@
           <a:p>
             <a:fld id="{FB34683C-161B-4520-BF45-B179E228CF2A}" type="slidenum">
               <a:rPr lang="en-US" smtClean="0"/>
-              <a:t>‹#›</a:t>
             </a:fld>
             <a:endParaRPr lang="en-US"/>
           </a:p>
         </p:txBody>
       </p:sp>
     </p:spTree>
-    <p:extLst>
-      <p:ext uri="{BB962C8B-B14F-4D97-AF65-F5344CB8AC3E}">
-        <p14:creationId xmlns:p14="http://schemas.microsoft.com/office/powerpoint/2010/main" val="474686344"/>
-      </p:ext>
-    </p:extLst>
   </p:cSld>
   <p:clrMapOvr>
     <a:masterClrMapping/>
@@ -1561,6 +1538,7 @@
               <a:rPr lang="en-US" smtClean="0"/>
               <a:t>Click to edit Master text styles</a:t>
             </a:r>
+            <a:endParaRPr lang="en-US" smtClean="0"/>
           </a:p>
           <a:p>
             <a:pPr lvl="1"/>
@@ -1568,6 +1546,7 @@
               <a:rPr lang="en-US" smtClean="0"/>
               <a:t>Second level</a:t>
             </a:r>
+            <a:endParaRPr lang="en-US" smtClean="0"/>
           </a:p>
           <a:p>
             <a:pPr lvl="2"/>
@@ -1575,6 +1554,7 @@
               <a:rPr lang="en-US" smtClean="0"/>
               <a:t>Third level</a:t>
             </a:r>
+            <a:endParaRPr lang="en-US" smtClean="0"/>
           </a:p>
           <a:p>
             <a:pPr lvl="3"/>
@@ -1582,6 +1562,7 @@
               <a:rPr lang="en-US" smtClean="0"/>
               <a:t>Fourth level</a:t>
             </a:r>
+            <a:endParaRPr lang="en-US" smtClean="0"/>
           </a:p>
           <a:p>
             <a:pPr lvl="4"/>
@@ -1646,6 +1627,7 @@
               <a:rPr lang="en-US" smtClean="0"/>
               <a:t>Click to edit Master text styles</a:t>
             </a:r>
+            <a:endParaRPr lang="en-US" smtClean="0"/>
           </a:p>
           <a:p>
             <a:pPr lvl="1"/>
@@ -1653,6 +1635,7 @@
               <a:rPr lang="en-US" smtClean="0"/>
               <a:t>Second level</a:t>
             </a:r>
+            <a:endParaRPr lang="en-US" smtClean="0"/>
           </a:p>
           <a:p>
             <a:pPr lvl="2"/>
@@ -1660,6 +1643,7 @@
               <a:rPr lang="en-US" smtClean="0"/>
               <a:t>Third level</a:t>
             </a:r>
+            <a:endParaRPr lang="en-US" smtClean="0"/>
           </a:p>
           <a:p>
             <a:pPr lvl="3"/>
@@ -1667,6 +1651,7 @@
               <a:rPr lang="en-US" smtClean="0"/>
               <a:t>Fourth level</a:t>
             </a:r>
+            <a:endParaRPr lang="en-US" smtClean="0"/>
           </a:p>
           <a:p>
             <a:pPr lvl="4"/>
@@ -1695,7 +1680,6 @@
           <a:p>
             <a:fld id="{78C97017-6FC3-485B-9764-EAC9E56C1D49}" type="datetimeFigureOut">
               <a:rPr lang="en-US" smtClean="0"/>
-              <a:t>10/16/2016</a:t>
             </a:fld>
             <a:endParaRPr lang="en-US"/>
           </a:p>
@@ -1737,18 +1721,12 @@
           <a:p>
             <a:fld id="{FB34683C-161B-4520-BF45-B179E228CF2A}" type="slidenum">
               <a:rPr lang="en-US" smtClean="0"/>
-              <a:t>‹#›</a:t>
             </a:fld>
             <a:endParaRPr lang="en-US"/>
           </a:p>
         </p:txBody>
       </p:sp>
     </p:spTree>
-    <p:extLst>
-      <p:ext uri="{BB962C8B-B14F-4D97-AF65-F5344CB8AC3E}">
-        <p14:creationId xmlns:p14="http://schemas.microsoft.com/office/powerpoint/2010/main" val="562293251"/>
-      </p:ext>
-    </p:extLst>
   </p:cSld>
   <p:clrMapOvr>
     <a:masterClrMapping/>
@@ -1862,6 +1840,7 @@
               <a:rPr lang="en-US" smtClean="0"/>
               <a:t>Click to edit Master text styles</a:t>
             </a:r>
+            <a:endParaRPr lang="en-US" smtClean="0"/>
           </a:p>
         </p:txBody>
       </p:sp>
@@ -1918,6 +1897,7 @@
               <a:rPr lang="en-US" smtClean="0"/>
               <a:t>Click to edit Master text styles</a:t>
             </a:r>
+            <a:endParaRPr lang="en-US" smtClean="0"/>
           </a:p>
           <a:p>
             <a:pPr lvl="1"/>
@@ -1925,6 +1905,7 @@
               <a:rPr lang="en-US" smtClean="0"/>
               <a:t>Second level</a:t>
             </a:r>
+            <a:endParaRPr lang="en-US" smtClean="0"/>
           </a:p>
           <a:p>
             <a:pPr lvl="2"/>
@@ -1932,6 +1913,7 @@
               <a:rPr lang="en-US" smtClean="0"/>
               <a:t>Third level</a:t>
             </a:r>
+            <a:endParaRPr lang="en-US" smtClean="0"/>
           </a:p>
           <a:p>
             <a:pPr lvl="3"/>
@@ -1939,6 +1921,7 @@
               <a:rPr lang="en-US" smtClean="0"/>
               <a:t>Fourth level</a:t>
             </a:r>
+            <a:endParaRPr lang="en-US" smtClean="0"/>
           </a:p>
           <a:p>
             <a:pPr lvl="4"/>
@@ -2012,6 +1995,7 @@
               <a:rPr lang="en-US" smtClean="0"/>
               <a:t>Click to edit Master text styles</a:t>
             </a:r>
+            <a:endParaRPr lang="en-US" smtClean="0"/>
           </a:p>
         </p:txBody>
       </p:sp>
@@ -2068,6 +2052,7 @@
               <a:rPr lang="en-US" smtClean="0"/>
               <a:t>Click to edit Master text styles</a:t>
             </a:r>
+            <a:endParaRPr lang="en-US" smtClean="0"/>
           </a:p>
           <a:p>
             <a:pPr lvl="1"/>
@@ -2075,6 +2060,7 @@
               <a:rPr lang="en-US" smtClean="0"/>
               <a:t>Second level</a:t>
             </a:r>
+            <a:endParaRPr lang="en-US" smtClean="0"/>
           </a:p>
           <a:p>
             <a:pPr lvl="2"/>
@@ -2082,6 +2068,7 @@
               <a:rPr lang="en-US" smtClean="0"/>
               <a:t>Third level</a:t>
             </a:r>
+            <a:endParaRPr lang="en-US" smtClean="0"/>
           </a:p>
           <a:p>
             <a:pPr lvl="3"/>
@@ -2089,6 +2076,7 @@
               <a:rPr lang="en-US" smtClean="0"/>
               <a:t>Fourth level</a:t>
             </a:r>
+            <a:endParaRPr lang="en-US" smtClean="0"/>
           </a:p>
           <a:p>
             <a:pPr lvl="4"/>
@@ -2117,7 +2105,6 @@
           <a:p>
             <a:fld id="{78C97017-6FC3-485B-9764-EAC9E56C1D49}" type="datetimeFigureOut">
               <a:rPr lang="en-US" smtClean="0"/>
-              <a:t>10/16/2016</a:t>
             </a:fld>
             <a:endParaRPr lang="en-US"/>
           </a:p>
@@ -2159,18 +2146,12 @@
           <a:p>
             <a:fld id="{FB34683C-161B-4520-BF45-B179E228CF2A}" type="slidenum">
               <a:rPr lang="en-US" smtClean="0"/>
-              <a:t>‹#›</a:t>
             </a:fld>
             <a:endParaRPr lang="en-US"/>
           </a:p>
         </p:txBody>
       </p:sp>
     </p:spTree>
-    <p:extLst>
-      <p:ext uri="{BB962C8B-B14F-4D97-AF65-F5344CB8AC3E}">
-        <p14:creationId xmlns:p14="http://schemas.microsoft.com/office/powerpoint/2010/main" val="1126424250"/>
-      </p:ext>
-    </p:extLst>
   </p:cSld>
   <p:clrMapOvr>
     <a:masterClrMapping/>
@@ -2235,7 +2216,6 @@
           <a:p>
             <a:fld id="{78C97017-6FC3-485B-9764-EAC9E56C1D49}" type="datetimeFigureOut">
               <a:rPr lang="en-US" smtClean="0"/>
-              <a:t>10/16/2016</a:t>
             </a:fld>
             <a:endParaRPr lang="en-US"/>
           </a:p>
@@ -2277,18 +2257,12 @@
           <a:p>
             <a:fld id="{FB34683C-161B-4520-BF45-B179E228CF2A}" type="slidenum">
               <a:rPr lang="en-US" smtClean="0"/>
-              <a:t>‹#›</a:t>
             </a:fld>
             <a:endParaRPr lang="en-US"/>
           </a:p>
         </p:txBody>
       </p:sp>
     </p:spTree>
-    <p:extLst>
-      <p:ext uri="{BB962C8B-B14F-4D97-AF65-F5344CB8AC3E}">
-        <p14:creationId xmlns:p14="http://schemas.microsoft.com/office/powerpoint/2010/main" val="4159724230"/>
-      </p:ext>
-    </p:extLst>
   </p:cSld>
   <p:clrMapOvr>
     <a:masterClrMapping/>
@@ -2330,7 +2304,6 @@
           <a:p>
             <a:fld id="{78C97017-6FC3-485B-9764-EAC9E56C1D49}" type="datetimeFigureOut">
               <a:rPr lang="en-US" smtClean="0"/>
-              <a:t>10/16/2016</a:t>
             </a:fld>
             <a:endParaRPr lang="en-US"/>
           </a:p>
@@ -2372,18 +2345,12 @@
           <a:p>
             <a:fld id="{FB34683C-161B-4520-BF45-B179E228CF2A}" type="slidenum">
               <a:rPr lang="en-US" smtClean="0"/>
-              <a:t>‹#›</a:t>
             </a:fld>
             <a:endParaRPr lang="en-US"/>
           </a:p>
         </p:txBody>
       </p:sp>
     </p:spTree>
-    <p:extLst>
-      <p:ext uri="{BB962C8B-B14F-4D97-AF65-F5344CB8AC3E}">
-        <p14:creationId xmlns:p14="http://schemas.microsoft.com/office/powerpoint/2010/main" val="1793928710"/>
-      </p:ext>
-    </p:extLst>
   </p:cSld>
   <p:clrMapOvr>
     <a:masterClrMapping/>
@@ -2493,6 +2460,7 @@
               <a:rPr lang="en-US" smtClean="0"/>
               <a:t>Click to edit Master text styles</a:t>
             </a:r>
+            <a:endParaRPr lang="en-US" smtClean="0"/>
           </a:p>
           <a:p>
             <a:pPr lvl="1"/>
@@ -2500,6 +2468,7 @@
               <a:rPr lang="en-US" smtClean="0"/>
               <a:t>Second level</a:t>
             </a:r>
+            <a:endParaRPr lang="en-US" smtClean="0"/>
           </a:p>
           <a:p>
             <a:pPr lvl="2"/>
@@ -2507,6 +2476,7 @@
               <a:rPr lang="en-US" smtClean="0"/>
               <a:t>Third level</a:t>
             </a:r>
+            <a:endParaRPr lang="en-US" smtClean="0"/>
           </a:p>
           <a:p>
             <a:pPr lvl="3"/>
@@ -2514,6 +2484,7 @@
               <a:rPr lang="en-US" smtClean="0"/>
               <a:t>Fourth level</a:t>
             </a:r>
+            <a:endParaRPr lang="en-US" smtClean="0"/>
           </a:p>
           <a:p>
             <a:pPr lvl="4"/>
@@ -2587,6 +2558,7 @@
               <a:rPr lang="en-US" smtClean="0"/>
               <a:t>Click to edit Master text styles</a:t>
             </a:r>
+            <a:endParaRPr lang="en-US" smtClean="0"/>
           </a:p>
         </p:txBody>
       </p:sp>
@@ -2607,7 +2579,6 @@
           <a:p>
             <a:fld id="{78C97017-6FC3-485B-9764-EAC9E56C1D49}" type="datetimeFigureOut">
               <a:rPr lang="en-US" smtClean="0"/>
-              <a:t>10/16/2016</a:t>
             </a:fld>
             <a:endParaRPr lang="en-US"/>
           </a:p>
@@ -2649,18 +2620,12 @@
           <a:p>
             <a:fld id="{FB34683C-161B-4520-BF45-B179E228CF2A}" type="slidenum">
               <a:rPr lang="en-US" smtClean="0"/>
-              <a:t>‹#›</a:t>
             </a:fld>
             <a:endParaRPr lang="en-US"/>
           </a:p>
         </p:txBody>
       </p:sp>
     </p:spTree>
-    <p:extLst>
-      <p:ext uri="{BB962C8B-B14F-4D97-AF65-F5344CB8AC3E}">
-        <p14:creationId xmlns:p14="http://schemas.microsoft.com/office/powerpoint/2010/main" val="2076802089"/>
-      </p:ext>
-    </p:extLst>
   </p:cSld>
   <p:clrMapOvr>
     <a:masterClrMapping/>
@@ -2840,6 +2805,7 @@
               <a:rPr lang="en-US" smtClean="0"/>
               <a:t>Click to edit Master text styles</a:t>
             </a:r>
+            <a:endParaRPr lang="en-US" smtClean="0"/>
           </a:p>
         </p:txBody>
       </p:sp>
@@ -2860,7 +2826,6 @@
           <a:p>
             <a:fld id="{78C97017-6FC3-485B-9764-EAC9E56C1D49}" type="datetimeFigureOut">
               <a:rPr lang="en-US" smtClean="0"/>
-              <a:t>10/16/2016</a:t>
             </a:fld>
             <a:endParaRPr lang="en-US"/>
           </a:p>
@@ -2902,18 +2867,12 @@
           <a:p>
             <a:fld id="{FB34683C-161B-4520-BF45-B179E228CF2A}" type="slidenum">
               <a:rPr lang="en-US" smtClean="0"/>
-              <a:t>‹#›</a:t>
             </a:fld>
             <a:endParaRPr lang="en-US"/>
           </a:p>
         </p:txBody>
       </p:sp>
     </p:spTree>
-    <p:extLst>
-      <p:ext uri="{BB962C8B-B14F-4D97-AF65-F5344CB8AC3E}">
-        <p14:creationId xmlns:p14="http://schemas.microsoft.com/office/powerpoint/2010/main" val="201835938"/>
-      </p:ext>
-    </p:extLst>
   </p:cSld>
   <p:clrMapOvr>
     <a:masterClrMapping/>
@@ -3006,6 +2965,7 @@
               <a:rPr lang="en-US" smtClean="0"/>
               <a:t>Click to edit Master text styles</a:t>
             </a:r>
+            <a:endParaRPr lang="en-US" smtClean="0"/>
           </a:p>
           <a:p>
             <a:pPr lvl="1"/>
@@ -3013,6 +2973,7 @@
               <a:rPr lang="en-US" smtClean="0"/>
               <a:t>Second level</a:t>
             </a:r>
+            <a:endParaRPr lang="en-US" smtClean="0"/>
           </a:p>
           <a:p>
             <a:pPr lvl="2"/>
@@ -3020,6 +2981,7 @@
               <a:rPr lang="en-US" smtClean="0"/>
               <a:t>Third level</a:t>
             </a:r>
+            <a:endParaRPr lang="en-US" smtClean="0"/>
           </a:p>
           <a:p>
             <a:pPr lvl="3"/>
@@ -3027,6 +2989,7 @@
               <a:rPr lang="en-US" smtClean="0"/>
               <a:t>Fourth level</a:t>
             </a:r>
+            <a:endParaRPr lang="en-US" smtClean="0"/>
           </a:p>
           <a:p>
             <a:pPr lvl="4"/>
@@ -3073,7 +3036,6 @@
           <a:p>
             <a:fld id="{78C97017-6FC3-485B-9764-EAC9E56C1D49}" type="datetimeFigureOut">
               <a:rPr lang="en-US" smtClean="0"/>
-              <a:t>10/16/2016</a:t>
             </a:fld>
             <a:endParaRPr lang="en-US"/>
           </a:p>
@@ -3151,18 +3113,12 @@
           <a:p>
             <a:fld id="{FB34683C-161B-4520-BF45-B179E228CF2A}" type="slidenum">
               <a:rPr lang="en-US" smtClean="0"/>
-              <a:t>‹#›</a:t>
             </a:fld>
             <a:endParaRPr lang="en-US"/>
           </a:p>
         </p:txBody>
       </p:sp>
     </p:spTree>
-    <p:extLst>
-      <p:ext uri="{BB962C8B-B14F-4D97-AF65-F5344CB8AC3E}">
-        <p14:creationId xmlns:p14="http://schemas.microsoft.com/office/powerpoint/2010/main" val="2341400630"/>
-      </p:ext>
-    </p:extLst>
   </p:cSld>
   <p:clrMap bg1="lt1" tx1="dk1" bg2="lt2" tx2="dk2" accent1="accent1" accent2="accent2" accent3="accent3" accent4="accent4" accent5="accent5" accent6="accent6" hlink="hlink" folHlink="folHlink"/>
   <p:sldLayoutIdLst>
@@ -6066,11 +6022,3111 @@
         </p:txBody>
       </p:sp>
     </p:spTree>
-    <p:extLst>
-      <p:ext uri="{BB962C8B-B14F-4D97-AF65-F5344CB8AC3E}">
-        <p14:creationId xmlns:p14="http://schemas.microsoft.com/office/powerpoint/2010/main" val="4023378879"/>
-      </p:ext>
-    </p:extLst>
+  </p:cSld>
+  <p:clrMapOvr>
+    <a:masterClrMapping/>
+  </p:clrMapOvr>
+</p:sld>
+</file>
+
+<file path=ppt/slides/slide2.xml><?xml version="1.0" encoding="utf-8"?>
+<p:sld xmlns:a="http://schemas.openxmlformats.org/drawingml/2006/main" xmlns:r="http://schemas.openxmlformats.org/officeDocument/2006/relationships" xmlns:p="http://schemas.openxmlformats.org/presentationml/2006/main">
+  <p:cSld>
+    <p:spTree>
+      <p:nvGrpSpPr>
+        <p:cNvPr id="1" name=""/>
+        <p:cNvGrpSpPr/>
+        <p:nvPr/>
+      </p:nvGrpSpPr>
+      <p:grpSpPr>
+        <a:xfrm>
+          <a:off x="0" y="0"/>
+          <a:ext cx="0" cy="0"/>
+          <a:chOff x="0" y="0"/>
+          <a:chExt cx="0" cy="0"/>
+        </a:xfrm>
+      </p:grpSpPr>
+      <p:sp>
+        <p:nvSpPr>
+          <p:cNvPr id="2" name="Rectangle 62"/>
+          <p:cNvSpPr/>
+          <p:nvPr/>
+        </p:nvSpPr>
+        <p:spPr>
+          <a:xfrm>
+            <a:off x="1111860" y="600306"/>
+            <a:ext cx="1093635" cy="346760"/>
+          </a:xfrm>
+          <a:prstGeom prst="rect">
+            <a:avLst/>
+          </a:prstGeom>
+          <a:solidFill>
+            <a:srgbClr val="00B050"/>
+          </a:solidFill>
+          <a:ln w="19050">
+            <a:solidFill>
+              <a:srgbClr val="00B050"/>
+            </a:solidFill>
+          </a:ln>
+          <a:effectLst/>
+        </p:spPr>
+        <p:style>
+          <a:lnRef idx="1">
+            <a:schemeClr val="accent2"/>
+          </a:lnRef>
+          <a:fillRef idx="2">
+            <a:schemeClr val="accent2"/>
+          </a:fillRef>
+          <a:effectRef idx="1">
+            <a:schemeClr val="accent2"/>
+          </a:effectRef>
+          <a:fontRef idx="minor">
+            <a:schemeClr val="dk1"/>
+          </a:fontRef>
+        </p:style>
+        <p:txBody>
+          <a:bodyPr rtlCol="0" anchor="ctr"/>
+          <a:lstStyle/>
+          <a:p>
+            <a:pPr algn="ctr"/>
+            <a:r>
+              <a:rPr lang="en-US" sz="1600" dirty="0" smtClean="0">
+                <a:solidFill>
+                  <a:schemeClr val="bg1"/>
+                </a:solidFill>
+              </a:rPr>
+              <a:t>:UI</a:t>
+            </a:r>
+            <a:endParaRPr lang="en-SG" sz="1600" dirty="0">
+              <a:solidFill>
+                <a:schemeClr val="bg1"/>
+              </a:solidFill>
+            </a:endParaRPr>
+          </a:p>
+        </p:txBody>
+      </p:sp>
+      <p:cxnSp>
+        <p:nvCxnSpPr>
+          <p:cNvPr id="5" name="Straight Connector 4"/>
+          <p:cNvCxnSpPr/>
+          <p:nvPr/>
+        </p:nvCxnSpPr>
+        <p:spPr>
+          <a:xfrm>
+            <a:off x="1658620" y="950595"/>
+            <a:ext cx="17780" cy="2775585"/>
+          </a:xfrm>
+          <a:prstGeom prst="line">
+            <a:avLst/>
+          </a:prstGeom>
+          <a:ln w="19050">
+            <a:solidFill>
+              <a:srgbClr val="00B050"/>
+            </a:solidFill>
+            <a:prstDash val="sysDash"/>
+          </a:ln>
+          <a:effectLst/>
+        </p:spPr>
+        <p:style>
+          <a:lnRef idx="1">
+            <a:schemeClr val="accent1"/>
+          </a:lnRef>
+          <a:fillRef idx="2">
+            <a:schemeClr val="accent1"/>
+          </a:fillRef>
+          <a:effectRef idx="1">
+            <a:schemeClr val="accent1"/>
+          </a:effectRef>
+          <a:fontRef idx="minor">
+            <a:schemeClr val="dk1"/>
+          </a:fontRef>
+        </p:style>
+      </p:cxnSp>
+      <p:sp>
+        <p:nvSpPr>
+          <p:cNvPr id="6" name="Rectangle 5"/>
+          <p:cNvSpPr/>
+          <p:nvPr/>
+        </p:nvSpPr>
+        <p:spPr>
+          <a:xfrm>
+            <a:off x="1586865" y="1315085"/>
+            <a:ext cx="152400" cy="2223770"/>
+          </a:xfrm>
+          <a:prstGeom prst="rect">
+            <a:avLst/>
+          </a:prstGeom>
+          <a:solidFill>
+            <a:srgbClr val="00B050"/>
+          </a:solidFill>
+          <a:ln>
+            <a:solidFill>
+              <a:srgbClr val="00B050"/>
+            </a:solidFill>
+          </a:ln>
+          <a:effectLst/>
+        </p:spPr>
+        <p:style>
+          <a:lnRef idx="1">
+            <a:schemeClr val="accent3"/>
+          </a:lnRef>
+          <a:fillRef idx="2">
+            <a:schemeClr val="accent3"/>
+          </a:fillRef>
+          <a:effectRef idx="1">
+            <a:schemeClr val="accent3"/>
+          </a:effectRef>
+          <a:fontRef idx="minor">
+            <a:schemeClr val="dk1"/>
+          </a:fontRef>
+        </p:style>
+        <p:txBody>
+          <a:bodyPr rtlCol="0" anchor="ctr"/>
+          <a:lstStyle/>
+          <a:p>
+            <a:pPr algn="ctr"/>
+            <a:endParaRPr lang="en-SG" sz="1400">
+              <a:solidFill>
+                <a:schemeClr val="dk1"/>
+              </a:solidFill>
+            </a:endParaRPr>
+          </a:p>
+        </p:txBody>
+      </p:sp>
+      <p:grpSp>
+        <p:nvGrpSpPr>
+          <p:cNvPr id="7" name="Actor"/>
+          <p:cNvGrpSpPr/>
+          <p:nvPr/>
+        </p:nvGrpSpPr>
+        <p:grpSpPr>
+          <a:xfrm>
+            <a:off x="152400" y="525780"/>
+            <a:ext cx="324036" cy="573410"/>
+            <a:chOff x="3239901" y="4149080"/>
+            <a:chExt cx="648072" cy="1146820"/>
+          </a:xfrm>
+        </p:grpSpPr>
+        <p:sp>
+          <p:nvSpPr>
+            <p:cNvPr id="8" name="Flowchart: Connector 7"/>
+            <p:cNvSpPr/>
+            <p:nvPr/>
+          </p:nvSpPr>
+          <p:spPr>
+            <a:xfrm>
+              <a:off x="3419872" y="4149080"/>
+              <a:ext cx="288032" cy="288032"/>
+            </a:xfrm>
+            <a:prstGeom prst="flowChartConnector">
+              <a:avLst/>
+            </a:prstGeom>
+            <a:solidFill>
+              <a:schemeClr val="bg1">
+                <a:lumMod val="85000"/>
+              </a:schemeClr>
+            </a:solidFill>
+            <a:ln w="28575">
+              <a:solidFill>
+                <a:schemeClr val="tx1"/>
+              </a:solidFill>
+            </a:ln>
+            <a:effectLst/>
+          </p:spPr>
+          <p:style>
+            <a:lnRef idx="1">
+              <a:schemeClr val="accent4"/>
+            </a:lnRef>
+            <a:fillRef idx="2">
+              <a:schemeClr val="accent4"/>
+            </a:fillRef>
+            <a:effectRef idx="1">
+              <a:schemeClr val="accent4"/>
+            </a:effectRef>
+            <a:fontRef idx="minor">
+              <a:schemeClr val="dk1"/>
+            </a:fontRef>
+          </p:style>
+          <p:txBody>
+            <a:bodyPr rtlCol="0" anchor="ctr"/>
+            <a:lstStyle/>
+            <a:p>
+              <a:pPr algn="ctr"/>
+              <a:endParaRPr lang="en-SG"/>
+            </a:p>
+          </p:txBody>
+        </p:sp>
+        <p:cxnSp>
+          <p:nvCxnSpPr>
+            <p:cNvPr id="9" name="Straight Connector 8"/>
+            <p:cNvCxnSpPr>
+              <a:stCxn id="8" idx="4"/>
+            </p:cNvCxnSpPr>
+            <p:nvPr/>
+          </p:nvCxnSpPr>
+          <p:spPr>
+            <a:xfrm>
+              <a:off x="3563888" y="4437112"/>
+              <a:ext cx="0" cy="504056"/>
+            </a:xfrm>
+            <a:prstGeom prst="line">
+              <a:avLst/>
+            </a:prstGeom>
+            <a:ln w="28575">
+              <a:solidFill>
+                <a:schemeClr val="tx1"/>
+              </a:solidFill>
+            </a:ln>
+            <a:effectLst/>
+          </p:spPr>
+          <p:style>
+            <a:lnRef idx="1">
+              <a:schemeClr val="accent4"/>
+            </a:lnRef>
+            <a:fillRef idx="2">
+              <a:schemeClr val="accent4"/>
+            </a:fillRef>
+            <a:effectRef idx="1">
+              <a:schemeClr val="accent4"/>
+            </a:effectRef>
+            <a:fontRef idx="minor">
+              <a:schemeClr val="dk1"/>
+            </a:fontRef>
+          </p:style>
+        </p:cxnSp>
+        <p:sp>
+          <p:nvSpPr>
+            <p:cNvPr id="10" name="Freeform 9"/>
+            <p:cNvSpPr/>
+            <p:nvPr/>
+          </p:nvSpPr>
+          <p:spPr>
+            <a:xfrm>
+              <a:off x="3324225" y="4933950"/>
+              <a:ext cx="479425" cy="361950"/>
+            </a:xfrm>
+            <a:custGeom>
+              <a:avLst/>
+              <a:gdLst>
+                <a:gd name="connsiteX0" fmla="*/ 0 w 479425"/>
+                <a:gd name="connsiteY0" fmla="*/ 355600 h 361950"/>
+                <a:gd name="connsiteX1" fmla="*/ 241300 w 479425"/>
+                <a:gd name="connsiteY1" fmla="*/ 0 h 361950"/>
+                <a:gd name="connsiteX2" fmla="*/ 479425 w 479425"/>
+                <a:gd name="connsiteY2" fmla="*/ 361950 h 361950"/>
+              </a:gdLst>
+              <a:ahLst/>
+              <a:cxnLst>
+                <a:cxn ang="0">
+                  <a:pos x="connsiteX0" y="connsiteY0"/>
+                </a:cxn>
+                <a:cxn ang="0">
+                  <a:pos x="connsiteX1" y="connsiteY1"/>
+                </a:cxn>
+                <a:cxn ang="0">
+                  <a:pos x="connsiteX2" y="connsiteY2"/>
+                </a:cxn>
+              </a:cxnLst>
+              <a:rect l="l" t="t" r="r" b="b"/>
+              <a:pathLst>
+                <a:path w="479425" h="361950">
+                  <a:moveTo>
+                    <a:pt x="0" y="355600"/>
+                  </a:moveTo>
+                  <a:lnTo>
+                    <a:pt x="241300" y="0"/>
+                  </a:lnTo>
+                  <a:lnTo>
+                    <a:pt x="479425" y="361950"/>
+                  </a:lnTo>
+                </a:path>
+              </a:pathLst>
+            </a:custGeom>
+            <a:noFill/>
+            <a:ln w="28575">
+              <a:solidFill>
+                <a:schemeClr val="tx1"/>
+              </a:solidFill>
+            </a:ln>
+            <a:effectLst/>
+          </p:spPr>
+          <p:style>
+            <a:lnRef idx="1">
+              <a:schemeClr val="accent4"/>
+            </a:lnRef>
+            <a:fillRef idx="2">
+              <a:schemeClr val="accent4"/>
+            </a:fillRef>
+            <a:effectRef idx="1">
+              <a:schemeClr val="accent4"/>
+            </a:effectRef>
+            <a:fontRef idx="minor">
+              <a:schemeClr val="dk1"/>
+            </a:fontRef>
+          </p:style>
+          <p:txBody>
+            <a:bodyPr rtlCol="0" anchor="ctr"/>
+            <a:lstStyle/>
+            <a:p>
+              <a:pPr algn="ctr"/>
+              <a:endParaRPr lang="en-SG"/>
+            </a:p>
+          </p:txBody>
+        </p:sp>
+        <p:cxnSp>
+          <p:nvCxnSpPr>
+            <p:cNvPr id="11" name="Straight Connector 10"/>
+            <p:cNvCxnSpPr/>
+            <p:nvPr/>
+          </p:nvCxnSpPr>
+          <p:spPr>
+            <a:xfrm>
+              <a:off x="3239901" y="4509120"/>
+              <a:ext cx="648072" cy="0"/>
+            </a:xfrm>
+            <a:prstGeom prst="line">
+              <a:avLst/>
+            </a:prstGeom>
+            <a:ln w="28575">
+              <a:solidFill>
+                <a:schemeClr val="tx1"/>
+              </a:solidFill>
+            </a:ln>
+            <a:effectLst/>
+          </p:spPr>
+          <p:style>
+            <a:lnRef idx="1">
+              <a:schemeClr val="accent4"/>
+            </a:lnRef>
+            <a:fillRef idx="2">
+              <a:schemeClr val="accent4"/>
+            </a:fillRef>
+            <a:effectRef idx="1">
+              <a:schemeClr val="accent4"/>
+            </a:effectRef>
+            <a:fontRef idx="minor">
+              <a:schemeClr val="dk1"/>
+            </a:fontRef>
+          </p:style>
+        </p:cxnSp>
+      </p:grpSp>
+      <p:sp>
+        <p:nvSpPr>
+          <p:cNvPr id="16" name="Rectangle 62"/>
+          <p:cNvSpPr/>
+          <p:nvPr/>
+        </p:nvSpPr>
+        <p:spPr>
+          <a:xfrm>
+            <a:off x="3335583" y="603993"/>
+            <a:ext cx="1093635" cy="346760"/>
+          </a:xfrm>
+          <a:prstGeom prst="rect">
+            <a:avLst/>
+          </a:prstGeom>
+          <a:solidFill>
+            <a:srgbClr val="0070C0"/>
+          </a:solidFill>
+          <a:ln w="19050">
+            <a:solidFill>
+              <a:srgbClr val="0070C0"/>
+            </a:solidFill>
+          </a:ln>
+          <a:effectLst/>
+        </p:spPr>
+        <p:style>
+          <a:lnRef idx="1">
+            <a:schemeClr val="accent2"/>
+          </a:lnRef>
+          <a:fillRef idx="2">
+            <a:schemeClr val="accent2"/>
+          </a:fillRef>
+          <a:effectRef idx="1">
+            <a:schemeClr val="accent2"/>
+          </a:effectRef>
+          <a:fontRef idx="minor">
+            <a:schemeClr val="dk1"/>
+          </a:fontRef>
+        </p:style>
+        <p:txBody>
+          <a:bodyPr rtlCol="0" anchor="ctr"/>
+          <a:lstStyle/>
+          <a:p>
+            <a:pPr algn="ctr"/>
+            <a:r>
+              <a:rPr lang="en-US" sz="1600" dirty="0" smtClean="0">
+                <a:solidFill>
+                  <a:schemeClr val="bg1"/>
+                </a:solidFill>
+              </a:rPr>
+              <a:t>:Logic</a:t>
+            </a:r>
+            <a:endParaRPr lang="en-SG" sz="1600" dirty="0">
+              <a:solidFill>
+                <a:schemeClr val="bg1"/>
+              </a:solidFill>
+            </a:endParaRPr>
+          </a:p>
+        </p:txBody>
+      </p:sp>
+      <p:cxnSp>
+        <p:nvCxnSpPr>
+          <p:cNvPr id="17" name="Straight Connector 16"/>
+          <p:cNvCxnSpPr/>
+          <p:nvPr/>
+        </p:nvCxnSpPr>
+        <p:spPr>
+          <a:xfrm>
+            <a:off x="3881120" y="959485"/>
+            <a:ext cx="5080" cy="2766695"/>
+          </a:xfrm>
+          <a:prstGeom prst="line">
+            <a:avLst/>
+          </a:prstGeom>
+          <a:ln w="19050">
+            <a:solidFill>
+              <a:srgbClr val="0070C0"/>
+            </a:solidFill>
+            <a:prstDash val="sysDash"/>
+          </a:ln>
+          <a:effectLst/>
+        </p:spPr>
+        <p:style>
+          <a:lnRef idx="1">
+            <a:schemeClr val="accent1"/>
+          </a:lnRef>
+          <a:fillRef idx="2">
+            <a:schemeClr val="accent1"/>
+          </a:fillRef>
+          <a:effectRef idx="1">
+            <a:schemeClr val="accent1"/>
+          </a:effectRef>
+          <a:fontRef idx="minor">
+            <a:schemeClr val="dk1"/>
+          </a:fontRef>
+        </p:style>
+      </p:cxnSp>
+      <p:sp>
+        <p:nvSpPr>
+          <p:cNvPr id="18" name="Rectangle 17"/>
+          <p:cNvSpPr/>
+          <p:nvPr/>
+        </p:nvSpPr>
+        <p:spPr>
+          <a:xfrm>
+            <a:off x="3810635" y="1425575"/>
+            <a:ext cx="144145" cy="1995805"/>
+          </a:xfrm>
+          <a:prstGeom prst="rect">
+            <a:avLst/>
+          </a:prstGeom>
+          <a:solidFill>
+            <a:srgbClr val="0070C0"/>
+          </a:solidFill>
+          <a:ln>
+            <a:solidFill>
+              <a:srgbClr val="0070C0"/>
+            </a:solidFill>
+          </a:ln>
+          <a:effectLst/>
+        </p:spPr>
+        <p:style>
+          <a:lnRef idx="1">
+            <a:schemeClr val="accent3"/>
+          </a:lnRef>
+          <a:fillRef idx="2">
+            <a:schemeClr val="accent3"/>
+          </a:fillRef>
+          <a:effectRef idx="1">
+            <a:schemeClr val="accent3"/>
+          </a:effectRef>
+          <a:fontRef idx="minor">
+            <a:schemeClr val="dk1"/>
+          </a:fontRef>
+        </p:style>
+        <p:txBody>
+          <a:bodyPr rtlCol="0" anchor="ctr"/>
+          <a:lstStyle/>
+          <a:p>
+            <a:pPr algn="ctr"/>
+            <a:endParaRPr lang="en-SG" sz="1400">
+              <a:solidFill>
+                <a:schemeClr val="dk1"/>
+              </a:solidFill>
+            </a:endParaRPr>
+          </a:p>
+        </p:txBody>
+      </p:sp>
+      <p:sp>
+        <p:nvSpPr>
+          <p:cNvPr id="19" name="Rectangle 62"/>
+          <p:cNvSpPr/>
+          <p:nvPr/>
+        </p:nvSpPr>
+        <p:spPr>
+          <a:xfrm>
+            <a:off x="5316783" y="600306"/>
+            <a:ext cx="1093635" cy="346760"/>
+          </a:xfrm>
+          <a:prstGeom prst="rect">
+            <a:avLst/>
+          </a:prstGeom>
+          <a:solidFill>
+            <a:srgbClr val="7030A0"/>
+          </a:solidFill>
+          <a:ln w="19050">
+            <a:solidFill>
+              <a:srgbClr val="7030A0"/>
+            </a:solidFill>
+          </a:ln>
+          <a:effectLst/>
+        </p:spPr>
+        <p:style>
+          <a:lnRef idx="1">
+            <a:schemeClr val="accent2"/>
+          </a:lnRef>
+          <a:fillRef idx="2">
+            <a:schemeClr val="accent2"/>
+          </a:fillRef>
+          <a:effectRef idx="1">
+            <a:schemeClr val="accent2"/>
+          </a:effectRef>
+          <a:fontRef idx="minor">
+            <a:schemeClr val="dk1"/>
+          </a:fontRef>
+        </p:style>
+        <p:txBody>
+          <a:bodyPr rtlCol="0" anchor="ctr"/>
+          <a:lstStyle/>
+          <a:p>
+            <a:pPr algn="ctr"/>
+            <a:r>
+              <a:rPr lang="en-US" sz="1600" dirty="0" smtClean="0">
+                <a:solidFill>
+                  <a:schemeClr val="bg1"/>
+                </a:solidFill>
+              </a:rPr>
+              <a:t>:Model</a:t>
+            </a:r>
+            <a:endParaRPr lang="en-SG" sz="1600" dirty="0">
+              <a:solidFill>
+                <a:schemeClr val="bg1"/>
+              </a:solidFill>
+            </a:endParaRPr>
+          </a:p>
+        </p:txBody>
+      </p:sp>
+      <p:cxnSp>
+        <p:nvCxnSpPr>
+          <p:cNvPr id="20" name="Straight Connector 19"/>
+          <p:cNvCxnSpPr/>
+          <p:nvPr/>
+        </p:nvCxnSpPr>
+        <p:spPr>
+          <a:xfrm>
+            <a:off x="5863590" y="963930"/>
+            <a:ext cx="3810" cy="2762250"/>
+          </a:xfrm>
+          <a:prstGeom prst="line">
+            <a:avLst/>
+          </a:prstGeom>
+          <a:ln w="19050">
+            <a:solidFill>
+              <a:srgbClr val="7030A0"/>
+            </a:solidFill>
+            <a:prstDash val="sysDash"/>
+          </a:ln>
+          <a:effectLst/>
+        </p:spPr>
+        <p:style>
+          <a:lnRef idx="1">
+            <a:schemeClr val="accent1"/>
+          </a:lnRef>
+          <a:fillRef idx="2">
+            <a:schemeClr val="accent1"/>
+          </a:fillRef>
+          <a:effectRef idx="1">
+            <a:schemeClr val="accent1"/>
+          </a:effectRef>
+          <a:fontRef idx="minor">
+            <a:schemeClr val="dk1"/>
+          </a:fontRef>
+        </p:style>
+      </p:cxnSp>
+      <p:sp>
+        <p:nvSpPr>
+          <p:cNvPr id="21" name="Rectangle 20"/>
+          <p:cNvSpPr/>
+          <p:nvPr/>
+        </p:nvSpPr>
+        <p:spPr>
+          <a:xfrm>
+            <a:off x="5791835" y="1530985"/>
+            <a:ext cx="142240" cy="817245"/>
+          </a:xfrm>
+          <a:prstGeom prst="rect">
+            <a:avLst/>
+          </a:prstGeom>
+          <a:solidFill>
+            <a:srgbClr val="7030A0"/>
+          </a:solidFill>
+          <a:ln>
+            <a:solidFill>
+              <a:srgbClr val="7030A0"/>
+            </a:solidFill>
+          </a:ln>
+          <a:effectLst/>
+        </p:spPr>
+        <p:style>
+          <a:lnRef idx="1">
+            <a:schemeClr val="accent3"/>
+          </a:lnRef>
+          <a:fillRef idx="2">
+            <a:schemeClr val="accent3"/>
+          </a:fillRef>
+          <a:effectRef idx="1">
+            <a:schemeClr val="accent3"/>
+          </a:effectRef>
+          <a:fontRef idx="minor">
+            <a:schemeClr val="dk1"/>
+          </a:fontRef>
+        </p:style>
+        <p:txBody>
+          <a:bodyPr rtlCol="0" anchor="ctr"/>
+          <a:lstStyle/>
+          <a:p>
+            <a:pPr algn="ctr"/>
+            <a:endParaRPr lang="en-SG" sz="1400">
+              <a:solidFill>
+                <a:schemeClr val="dk1"/>
+              </a:solidFill>
+            </a:endParaRPr>
+          </a:p>
+        </p:txBody>
+      </p:sp>
+      <p:cxnSp>
+        <p:nvCxnSpPr>
+          <p:cNvPr id="23" name="Straight Arrow Connector 22"/>
+          <p:cNvCxnSpPr/>
+          <p:nvPr/>
+        </p:nvCxnSpPr>
+        <p:spPr>
+          <a:xfrm>
+            <a:off x="466818" y="1318359"/>
+            <a:ext cx="1119851" cy="0"/>
+          </a:xfrm>
+          <a:prstGeom prst="straightConnector1">
+            <a:avLst/>
+          </a:prstGeom>
+          <a:ln w="19050">
+            <a:solidFill>
+              <a:schemeClr val="tx1"/>
+            </a:solidFill>
+            <a:tailEnd type="arrow"/>
+          </a:ln>
+        </p:spPr>
+        <p:style>
+          <a:lnRef idx="1">
+            <a:schemeClr val="accent1"/>
+          </a:lnRef>
+          <a:fillRef idx="0">
+            <a:schemeClr val="accent1"/>
+          </a:fillRef>
+          <a:effectRef idx="0">
+            <a:schemeClr val="accent1"/>
+          </a:effectRef>
+          <a:fontRef idx="minor">
+            <a:schemeClr val="tx1"/>
+          </a:fontRef>
+        </p:style>
+      </p:cxnSp>
+      <p:sp>
+        <p:nvSpPr>
+          <p:cNvPr id="24" name="TextBox 23"/>
+          <p:cNvSpPr txBox="1"/>
+          <p:nvPr/>
+        </p:nvSpPr>
+        <p:spPr>
+          <a:xfrm>
+            <a:off x="466818" y="1338260"/>
+            <a:ext cx="860170" cy="215265"/>
+          </a:xfrm>
+          <a:prstGeom prst="rect">
+            <a:avLst/>
+          </a:prstGeom>
+          <a:noFill/>
+        </p:spPr>
+        <p:txBody>
+          <a:bodyPr wrap="square" lIns="0" tIns="0" rIns="0" bIns="0" rtlCol="0">
+            <a:spAutoFit/>
+          </a:bodyPr>
+          <a:lstStyle/>
+          <a:p>
+            <a:r>
+              <a:rPr lang="en-US" sz="1400" dirty="0" smtClean="0"/>
+              <a:t>home</a:t>
+            </a:r>
+            <a:endParaRPr lang="en-US" sz="1400" dirty="0"/>
+          </a:p>
+        </p:txBody>
+      </p:sp>
+      <p:cxnSp>
+        <p:nvCxnSpPr>
+          <p:cNvPr id="25" name="Straight Arrow Connector 24"/>
+          <p:cNvCxnSpPr/>
+          <p:nvPr/>
+        </p:nvCxnSpPr>
+        <p:spPr>
+          <a:xfrm>
+            <a:off x="1739069" y="1425858"/>
+            <a:ext cx="2071323" cy="0"/>
+          </a:xfrm>
+          <a:prstGeom prst="straightConnector1">
+            <a:avLst/>
+          </a:prstGeom>
+          <a:ln w="19050">
+            <a:solidFill>
+              <a:srgbClr val="00B050"/>
+            </a:solidFill>
+            <a:tailEnd type="arrow"/>
+          </a:ln>
+        </p:spPr>
+        <p:style>
+          <a:lnRef idx="1">
+            <a:schemeClr val="accent1"/>
+          </a:lnRef>
+          <a:fillRef idx="0">
+            <a:schemeClr val="accent1"/>
+          </a:fillRef>
+          <a:effectRef idx="0">
+            <a:schemeClr val="accent1"/>
+          </a:effectRef>
+          <a:fontRef idx="minor">
+            <a:schemeClr val="tx1"/>
+          </a:fontRef>
+        </p:style>
+      </p:cxnSp>
+      <p:sp>
+        <p:nvSpPr>
+          <p:cNvPr id="26" name="TextBox 25"/>
+          <p:cNvSpPr txBox="1"/>
+          <p:nvPr/>
+        </p:nvSpPr>
+        <p:spPr>
+          <a:xfrm>
+            <a:off x="2166172" y="1445759"/>
+            <a:ext cx="1424846" cy="215265"/>
+          </a:xfrm>
+          <a:prstGeom prst="rect">
+            <a:avLst/>
+          </a:prstGeom>
+          <a:noFill/>
+        </p:spPr>
+        <p:txBody>
+          <a:bodyPr wrap="square" lIns="0" tIns="0" rIns="0" bIns="0" rtlCol="0">
+            <a:spAutoFit/>
+          </a:bodyPr>
+          <a:lstStyle/>
+          <a:p>
+            <a:r>
+              <a:rPr lang="en-US" sz="1400" dirty="0" smtClean="0">
+                <a:solidFill>
+                  <a:srgbClr val="0070C0"/>
+                </a:solidFill>
+              </a:rPr>
+              <a:t>execute(“home”)</a:t>
+            </a:r>
+            <a:endParaRPr lang="en-US" sz="1400" dirty="0">
+              <a:solidFill>
+                <a:srgbClr val="0070C0"/>
+              </a:solidFill>
+            </a:endParaRPr>
+          </a:p>
+        </p:txBody>
+      </p:sp>
+      <p:cxnSp>
+        <p:nvCxnSpPr>
+          <p:cNvPr id="28" name="Straight Arrow Connector 27"/>
+          <p:cNvCxnSpPr/>
+          <p:nvPr/>
+        </p:nvCxnSpPr>
+        <p:spPr>
+          <a:xfrm>
+            <a:off x="3954408" y="1530789"/>
+            <a:ext cx="1837184" cy="0"/>
+          </a:xfrm>
+          <a:prstGeom prst="straightConnector1">
+            <a:avLst/>
+          </a:prstGeom>
+          <a:ln w="19050">
+            <a:solidFill>
+              <a:srgbClr val="0070C0"/>
+            </a:solidFill>
+            <a:tailEnd type="arrow"/>
+          </a:ln>
+        </p:spPr>
+        <p:style>
+          <a:lnRef idx="1">
+            <a:schemeClr val="accent1"/>
+          </a:lnRef>
+          <a:fillRef idx="0">
+            <a:schemeClr val="accent1"/>
+          </a:fillRef>
+          <a:effectRef idx="0">
+            <a:schemeClr val="accent1"/>
+          </a:effectRef>
+          <a:fontRef idx="minor">
+            <a:schemeClr val="tx1"/>
+          </a:fontRef>
+        </p:style>
+      </p:cxnSp>
+      <p:sp>
+        <p:nvSpPr>
+          <p:cNvPr id="29" name="TextBox 28"/>
+          <p:cNvSpPr txBox="1"/>
+          <p:nvPr/>
+        </p:nvSpPr>
+        <p:spPr>
+          <a:xfrm>
+            <a:off x="4238812" y="1553378"/>
+            <a:ext cx="1424846" cy="215265"/>
+          </a:xfrm>
+          <a:prstGeom prst="rect">
+            <a:avLst/>
+          </a:prstGeom>
+          <a:noFill/>
+        </p:spPr>
+        <p:txBody>
+          <a:bodyPr wrap="square" lIns="0" tIns="0" rIns="0" bIns="0" rtlCol="0">
+            <a:spAutoFit/>
+          </a:bodyPr>
+          <a:lstStyle/>
+          <a:p>
+            <a:r>
+              <a:rPr lang="en-US" sz="1400" dirty="0">
+                <a:solidFill>
+                  <a:srgbClr val="7030A0"/>
+                </a:solidFill>
+              </a:rPr>
+              <a:t>ResetDiretory(root)</a:t>
+            </a:r>
+            <a:endParaRPr lang="en-US" sz="1400" dirty="0">
+              <a:solidFill>
+                <a:srgbClr val="7030A0"/>
+              </a:solidFill>
+            </a:endParaRPr>
+          </a:p>
+        </p:txBody>
+      </p:sp>
+      <p:sp>
+        <p:nvSpPr>
+          <p:cNvPr id="33" name="TextBox 32"/>
+          <p:cNvSpPr txBox="1"/>
+          <p:nvPr/>
+        </p:nvSpPr>
+        <p:spPr>
+          <a:xfrm>
+            <a:off x="5317110" y="2673811"/>
+            <a:ext cx="2438400" cy="215265"/>
+          </a:xfrm>
+          <a:prstGeom prst="rect">
+            <a:avLst/>
+          </a:prstGeom>
+          <a:noFill/>
+        </p:spPr>
+        <p:txBody>
+          <a:bodyPr wrap="square" lIns="0" tIns="0" rIns="0" bIns="0" rtlCol="0">
+            <a:spAutoFit/>
+          </a:bodyPr>
+          <a:lstStyle/>
+          <a:p>
+            <a:r>
+              <a:rPr lang="en-US" sz="1400" dirty="0" smtClean="0">
+                <a:solidFill>
+                  <a:schemeClr val="accent5">
+                    <a:lumMod val="75000"/>
+                  </a:schemeClr>
+                </a:solidFill>
+              </a:rPr>
+              <a:t>post(</a:t>
+            </a:r>
+            <a:r>
+              <a:rPr lang="en-US" sz="1400" dirty="0" err="1" smtClean="0">
+                <a:solidFill>
+                  <a:schemeClr val="accent5">
+                    <a:lumMod val="75000"/>
+                  </a:schemeClr>
+                </a:solidFill>
+              </a:rPr>
+              <a:t>DirectoryChangedEvent</a:t>
+            </a:r>
+            <a:r>
+              <a:rPr lang="en-US" sz="1400" dirty="0" smtClean="0">
+                <a:solidFill>
+                  <a:schemeClr val="accent5">
+                    <a:lumMod val="75000"/>
+                  </a:schemeClr>
+                </a:solidFill>
+              </a:rPr>
+              <a:t>)</a:t>
+            </a:r>
+            <a:endParaRPr lang="en-US" sz="1400" dirty="0">
+              <a:solidFill>
+                <a:schemeClr val="accent5">
+                  <a:lumMod val="75000"/>
+                </a:schemeClr>
+              </a:solidFill>
+            </a:endParaRPr>
+          </a:p>
+        </p:txBody>
+      </p:sp>
+      <p:cxnSp>
+        <p:nvCxnSpPr>
+          <p:cNvPr id="34" name="Straight Arrow Connector 33"/>
+          <p:cNvCxnSpPr/>
+          <p:nvPr/>
+        </p:nvCxnSpPr>
+        <p:spPr>
+          <a:xfrm>
+            <a:off x="3958218" y="2338636"/>
+            <a:ext cx="1837184" cy="0"/>
+          </a:xfrm>
+          <a:prstGeom prst="straightConnector1">
+            <a:avLst/>
+          </a:prstGeom>
+          <a:ln w="19050">
+            <a:solidFill>
+              <a:srgbClr val="7030A0"/>
+            </a:solidFill>
+            <a:prstDash val="sysDash"/>
+            <a:headEnd type="arrow" w="med" len="med"/>
+            <a:tailEnd type="none" w="med" len="med"/>
+          </a:ln>
+        </p:spPr>
+        <p:style>
+          <a:lnRef idx="1">
+            <a:schemeClr val="accent1"/>
+          </a:lnRef>
+          <a:fillRef idx="0">
+            <a:schemeClr val="accent1"/>
+          </a:fillRef>
+          <a:effectRef idx="0">
+            <a:schemeClr val="accent1"/>
+          </a:effectRef>
+          <a:fontRef idx="minor">
+            <a:schemeClr val="tx1"/>
+          </a:fontRef>
+        </p:style>
+      </p:cxnSp>
+      <p:cxnSp>
+        <p:nvCxnSpPr>
+          <p:cNvPr id="35" name="Straight Arrow Connector 34"/>
+          <p:cNvCxnSpPr/>
+          <p:nvPr/>
+        </p:nvCxnSpPr>
+        <p:spPr>
+          <a:xfrm>
+            <a:off x="1746054" y="3389952"/>
+            <a:ext cx="2058118" cy="0"/>
+          </a:xfrm>
+          <a:prstGeom prst="straightConnector1">
+            <a:avLst/>
+          </a:prstGeom>
+          <a:ln w="19050">
+            <a:solidFill>
+              <a:srgbClr val="0070C0"/>
+            </a:solidFill>
+            <a:prstDash val="sysDash"/>
+            <a:headEnd type="arrow" w="med" len="med"/>
+            <a:tailEnd type="none" w="med" len="med"/>
+          </a:ln>
+        </p:spPr>
+        <p:style>
+          <a:lnRef idx="1">
+            <a:schemeClr val="accent1"/>
+          </a:lnRef>
+          <a:fillRef idx="0">
+            <a:schemeClr val="accent1"/>
+          </a:fillRef>
+          <a:effectRef idx="0">
+            <a:schemeClr val="accent1"/>
+          </a:effectRef>
+          <a:fontRef idx="minor">
+            <a:schemeClr val="tx1"/>
+          </a:fontRef>
+        </p:style>
+      </p:cxnSp>
+      <p:cxnSp>
+        <p:nvCxnSpPr>
+          <p:cNvPr id="37" name="Straight Arrow Connector 36"/>
+          <p:cNvCxnSpPr/>
+          <p:nvPr/>
+        </p:nvCxnSpPr>
+        <p:spPr>
+          <a:xfrm>
+            <a:off x="390618" y="3421067"/>
+            <a:ext cx="1196051" cy="0"/>
+          </a:xfrm>
+          <a:prstGeom prst="straightConnector1">
+            <a:avLst/>
+          </a:prstGeom>
+          <a:ln w="19050">
+            <a:solidFill>
+              <a:srgbClr val="00B050"/>
+            </a:solidFill>
+            <a:prstDash val="sysDash"/>
+            <a:headEnd type="arrow" w="med" len="med"/>
+            <a:tailEnd type="none" w="med" len="med"/>
+          </a:ln>
+        </p:spPr>
+        <p:style>
+          <a:lnRef idx="1">
+            <a:schemeClr val="accent1"/>
+          </a:lnRef>
+          <a:fillRef idx="0">
+            <a:schemeClr val="accent1"/>
+          </a:fillRef>
+          <a:effectRef idx="0">
+            <a:schemeClr val="accent1"/>
+          </a:effectRef>
+          <a:fontRef idx="minor">
+            <a:schemeClr val="tx1"/>
+          </a:fontRef>
+        </p:style>
+      </p:cxnSp>
+      <p:sp>
+        <p:nvSpPr>
+          <p:cNvPr id="39" name="Rectangle 62"/>
+          <p:cNvSpPr/>
+          <p:nvPr/>
+        </p:nvSpPr>
+        <p:spPr>
+          <a:xfrm>
+            <a:off x="7696200" y="583631"/>
+            <a:ext cx="1371600" cy="346760"/>
+          </a:xfrm>
+          <a:prstGeom prst="rect">
+            <a:avLst/>
+          </a:prstGeom>
+          <a:solidFill>
+            <a:schemeClr val="accent5">
+              <a:lumMod val="75000"/>
+            </a:schemeClr>
+          </a:solidFill>
+          <a:ln w="19050">
+            <a:solidFill>
+              <a:schemeClr val="accent5">
+                <a:lumMod val="75000"/>
+              </a:schemeClr>
+            </a:solidFill>
+          </a:ln>
+          <a:effectLst/>
+        </p:spPr>
+        <p:style>
+          <a:lnRef idx="1">
+            <a:schemeClr val="accent2"/>
+          </a:lnRef>
+          <a:fillRef idx="2">
+            <a:schemeClr val="accent2"/>
+          </a:fillRef>
+          <a:effectRef idx="1">
+            <a:schemeClr val="accent2"/>
+          </a:effectRef>
+          <a:fontRef idx="minor">
+            <a:schemeClr val="dk1"/>
+          </a:fontRef>
+        </p:style>
+        <p:txBody>
+          <a:bodyPr rtlCol="0" anchor="ctr"/>
+          <a:lstStyle/>
+          <a:p>
+            <a:pPr algn="ctr"/>
+            <a:r>
+              <a:rPr lang="en-US" sz="1600" dirty="0" smtClean="0">
+                <a:solidFill>
+                  <a:schemeClr val="bg1"/>
+                </a:solidFill>
+              </a:rPr>
+              <a:t>:</a:t>
+            </a:r>
+            <a:r>
+              <a:rPr lang="en-US" sz="1600" dirty="0" err="1" smtClean="0">
+                <a:solidFill>
+                  <a:schemeClr val="bg1"/>
+                </a:solidFill>
+              </a:rPr>
+              <a:t>EventsCenter</a:t>
+            </a:r>
+            <a:endParaRPr lang="en-SG" sz="1600" dirty="0">
+              <a:solidFill>
+                <a:schemeClr val="bg1"/>
+              </a:solidFill>
+            </a:endParaRPr>
+          </a:p>
+        </p:txBody>
+      </p:sp>
+      <p:cxnSp>
+        <p:nvCxnSpPr>
+          <p:cNvPr id="40" name="Straight Connector 39"/>
+          <p:cNvCxnSpPr/>
+          <p:nvPr/>
+        </p:nvCxnSpPr>
+        <p:spPr>
+          <a:xfrm flipH="1">
+            <a:off x="8610600" y="936625"/>
+            <a:ext cx="6350" cy="2713355"/>
+          </a:xfrm>
+          <a:prstGeom prst="line">
+            <a:avLst/>
+          </a:prstGeom>
+          <a:ln w="19050">
+            <a:solidFill>
+              <a:schemeClr val="accent5">
+                <a:lumMod val="75000"/>
+              </a:schemeClr>
+            </a:solidFill>
+            <a:prstDash val="sysDash"/>
+          </a:ln>
+          <a:effectLst/>
+        </p:spPr>
+        <p:style>
+          <a:lnRef idx="1">
+            <a:schemeClr val="accent1"/>
+          </a:lnRef>
+          <a:fillRef idx="2">
+            <a:schemeClr val="accent1"/>
+          </a:fillRef>
+          <a:effectRef idx="1">
+            <a:schemeClr val="accent1"/>
+          </a:effectRef>
+          <a:fontRef idx="minor">
+            <a:schemeClr val="dk1"/>
+          </a:fontRef>
+        </p:style>
+      </p:cxnSp>
+      <p:sp>
+        <p:nvSpPr>
+          <p:cNvPr id="41" name="Rectangle 40"/>
+          <p:cNvSpPr/>
+          <p:nvPr/>
+        </p:nvSpPr>
+        <p:spPr>
+          <a:xfrm>
+            <a:off x="8542889" y="3012127"/>
+            <a:ext cx="142006" cy="176787"/>
+          </a:xfrm>
+          <a:prstGeom prst="rect">
+            <a:avLst/>
+          </a:prstGeom>
+          <a:solidFill>
+            <a:schemeClr val="accent5">
+              <a:lumMod val="75000"/>
+            </a:schemeClr>
+          </a:solidFill>
+          <a:ln>
+            <a:solidFill>
+              <a:schemeClr val="accent5">
+                <a:lumMod val="75000"/>
+              </a:schemeClr>
+            </a:solidFill>
+          </a:ln>
+          <a:effectLst/>
+        </p:spPr>
+        <p:style>
+          <a:lnRef idx="1">
+            <a:schemeClr val="accent3"/>
+          </a:lnRef>
+          <a:fillRef idx="2">
+            <a:schemeClr val="accent3"/>
+          </a:fillRef>
+          <a:effectRef idx="1">
+            <a:schemeClr val="accent3"/>
+          </a:effectRef>
+          <a:fontRef idx="minor">
+            <a:schemeClr val="dk1"/>
+          </a:fontRef>
+        </p:style>
+        <p:txBody>
+          <a:bodyPr rtlCol="0" anchor="ctr"/>
+          <a:lstStyle/>
+          <a:p>
+            <a:pPr algn="ctr"/>
+            <a:endParaRPr lang="en-SG" sz="1400">
+              <a:solidFill>
+                <a:schemeClr val="dk1"/>
+              </a:solidFill>
+            </a:endParaRPr>
+          </a:p>
+        </p:txBody>
+      </p:sp>
+      <p:cxnSp>
+        <p:nvCxnSpPr>
+          <p:cNvPr id="44" name="Straight Arrow Connector 43"/>
+          <p:cNvCxnSpPr/>
+          <p:nvPr/>
+        </p:nvCxnSpPr>
+        <p:spPr>
+          <a:xfrm flipV="1">
+            <a:off x="3988435" y="3185160"/>
+            <a:ext cx="4521835" cy="3810"/>
+          </a:xfrm>
+          <a:prstGeom prst="straightConnector1">
+            <a:avLst/>
+          </a:prstGeom>
+          <a:ln w="19050">
+            <a:solidFill>
+              <a:schemeClr val="accent5">
+                <a:lumMod val="75000"/>
+              </a:schemeClr>
+            </a:solidFill>
+            <a:prstDash val="sysDash"/>
+            <a:headEnd type="arrow" w="med" len="med"/>
+            <a:tailEnd type="none" w="med" len="med"/>
+          </a:ln>
+        </p:spPr>
+        <p:style>
+          <a:lnRef idx="1">
+            <a:schemeClr val="accent1"/>
+          </a:lnRef>
+          <a:fillRef idx="0">
+            <a:schemeClr val="accent1"/>
+          </a:fillRef>
+          <a:effectRef idx="0">
+            <a:schemeClr val="accent1"/>
+          </a:effectRef>
+          <a:fontRef idx="minor">
+            <a:schemeClr val="tx1"/>
+          </a:fontRef>
+        </p:style>
+      </p:cxnSp>
+      <p:sp>
+        <p:nvSpPr>
+          <p:cNvPr id="62" name="TextBox 61"/>
+          <p:cNvSpPr txBox="1"/>
+          <p:nvPr/>
+        </p:nvSpPr>
+        <p:spPr>
+          <a:xfrm>
+            <a:off x="2442554" y="4637654"/>
+            <a:ext cx="2716635" cy="215265"/>
+          </a:xfrm>
+          <a:prstGeom prst="rect">
+            <a:avLst/>
+          </a:prstGeom>
+          <a:noFill/>
+        </p:spPr>
+        <p:txBody>
+          <a:bodyPr wrap="square" lIns="0" tIns="0" rIns="0" bIns="0" rtlCol="0">
+            <a:spAutoFit/>
+          </a:bodyPr>
+          <a:lstStyle/>
+          <a:p>
+            <a:r>
+              <a:rPr lang="en-US" sz="1400" dirty="0" smtClean="0">
+                <a:solidFill>
+                  <a:schemeClr val="accent5">
+                    <a:lumMod val="75000"/>
+                  </a:schemeClr>
+                </a:solidFill>
+              </a:rPr>
+              <a:t>post(</a:t>
+            </a:r>
+            <a:r>
+              <a:rPr lang="en-US" sz="1400" dirty="0" err="1" smtClean="0">
+                <a:solidFill>
+                  <a:schemeClr val="accent5">
+                    <a:lumMod val="75000"/>
+                  </a:schemeClr>
+                </a:solidFill>
+              </a:rPr>
+              <a:t>DirectoryChangedEvent</a:t>
+            </a:r>
+            <a:r>
+              <a:rPr lang="en-US" sz="1400" dirty="0" smtClean="0">
+                <a:solidFill>
+                  <a:schemeClr val="accent5">
+                    <a:lumMod val="75000"/>
+                  </a:schemeClr>
+                </a:solidFill>
+              </a:rPr>
+              <a:t>)</a:t>
+            </a:r>
+            <a:endParaRPr lang="en-US" sz="1400" dirty="0">
+              <a:solidFill>
+                <a:schemeClr val="accent5">
+                  <a:lumMod val="75000"/>
+                </a:schemeClr>
+              </a:solidFill>
+            </a:endParaRPr>
+          </a:p>
+        </p:txBody>
+      </p:sp>
+      <p:sp>
+        <p:nvSpPr>
+          <p:cNvPr id="66" name="Rectangle 62"/>
+          <p:cNvSpPr/>
+          <p:nvPr/>
+        </p:nvSpPr>
+        <p:spPr>
+          <a:xfrm>
+            <a:off x="4423606" y="4135213"/>
+            <a:ext cx="1371600" cy="346760"/>
+          </a:xfrm>
+          <a:prstGeom prst="rect">
+            <a:avLst/>
+          </a:prstGeom>
+          <a:solidFill>
+            <a:schemeClr val="accent5">
+              <a:lumMod val="75000"/>
+            </a:schemeClr>
+          </a:solidFill>
+          <a:ln w="19050">
+            <a:solidFill>
+              <a:schemeClr val="accent5">
+                <a:lumMod val="75000"/>
+              </a:schemeClr>
+            </a:solidFill>
+          </a:ln>
+          <a:effectLst/>
+        </p:spPr>
+        <p:style>
+          <a:lnRef idx="1">
+            <a:schemeClr val="accent2"/>
+          </a:lnRef>
+          <a:fillRef idx="2">
+            <a:schemeClr val="accent2"/>
+          </a:fillRef>
+          <a:effectRef idx="1">
+            <a:schemeClr val="accent2"/>
+          </a:effectRef>
+          <a:fontRef idx="minor">
+            <a:schemeClr val="dk1"/>
+          </a:fontRef>
+        </p:style>
+        <p:txBody>
+          <a:bodyPr rtlCol="0" anchor="ctr"/>
+          <a:lstStyle/>
+          <a:p>
+            <a:pPr algn="ctr"/>
+            <a:r>
+              <a:rPr lang="en-US" sz="1600" dirty="0" smtClean="0">
+                <a:solidFill>
+                  <a:schemeClr val="bg1"/>
+                </a:solidFill>
+              </a:rPr>
+              <a:t>:</a:t>
+            </a:r>
+            <a:r>
+              <a:rPr lang="en-US" sz="1600" dirty="0" err="1" smtClean="0">
+                <a:solidFill>
+                  <a:schemeClr val="bg1"/>
+                </a:solidFill>
+              </a:rPr>
+              <a:t>EventsCenter</a:t>
+            </a:r>
+            <a:endParaRPr lang="en-SG" sz="1600" dirty="0">
+              <a:solidFill>
+                <a:schemeClr val="bg1"/>
+              </a:solidFill>
+            </a:endParaRPr>
+          </a:p>
+        </p:txBody>
+      </p:sp>
+      <p:cxnSp>
+        <p:nvCxnSpPr>
+          <p:cNvPr id="67" name="Straight Connector 66"/>
+          <p:cNvCxnSpPr/>
+          <p:nvPr/>
+        </p:nvCxnSpPr>
+        <p:spPr>
+          <a:xfrm>
+            <a:off x="5089191" y="4488267"/>
+            <a:ext cx="0" cy="1723059"/>
+          </a:xfrm>
+          <a:prstGeom prst="line">
+            <a:avLst/>
+          </a:prstGeom>
+          <a:ln w="19050">
+            <a:solidFill>
+              <a:schemeClr val="accent5">
+                <a:lumMod val="75000"/>
+              </a:schemeClr>
+            </a:solidFill>
+            <a:prstDash val="sysDash"/>
+          </a:ln>
+          <a:effectLst/>
+        </p:spPr>
+        <p:style>
+          <a:lnRef idx="1">
+            <a:schemeClr val="accent1"/>
+          </a:lnRef>
+          <a:fillRef idx="2">
+            <a:schemeClr val="accent1"/>
+          </a:fillRef>
+          <a:effectRef idx="1">
+            <a:schemeClr val="accent1"/>
+          </a:effectRef>
+          <a:fontRef idx="minor">
+            <a:schemeClr val="dk1"/>
+          </a:fontRef>
+        </p:style>
+      </p:cxnSp>
+      <p:sp>
+        <p:nvSpPr>
+          <p:cNvPr id="68" name="Rectangle 67"/>
+          <p:cNvSpPr/>
+          <p:nvPr/>
+        </p:nvSpPr>
+        <p:spPr>
+          <a:xfrm>
+            <a:off x="5017183" y="4911200"/>
+            <a:ext cx="142006" cy="1036757"/>
+          </a:xfrm>
+          <a:prstGeom prst="rect">
+            <a:avLst/>
+          </a:prstGeom>
+          <a:solidFill>
+            <a:schemeClr val="accent5">
+              <a:lumMod val="75000"/>
+            </a:schemeClr>
+          </a:solidFill>
+          <a:ln>
+            <a:solidFill>
+              <a:schemeClr val="accent5">
+                <a:lumMod val="75000"/>
+              </a:schemeClr>
+            </a:solidFill>
+          </a:ln>
+          <a:effectLst/>
+        </p:spPr>
+        <p:style>
+          <a:lnRef idx="1">
+            <a:schemeClr val="accent3"/>
+          </a:lnRef>
+          <a:fillRef idx="2">
+            <a:schemeClr val="accent3"/>
+          </a:fillRef>
+          <a:effectRef idx="1">
+            <a:schemeClr val="accent3"/>
+          </a:effectRef>
+          <a:fontRef idx="minor">
+            <a:schemeClr val="dk1"/>
+          </a:fontRef>
+        </p:style>
+        <p:txBody>
+          <a:bodyPr rtlCol="0" anchor="ctr"/>
+          <a:lstStyle/>
+          <a:p>
+            <a:pPr algn="ctr"/>
+            <a:endParaRPr lang="en-SG" sz="1400">
+              <a:solidFill>
+                <a:schemeClr val="dk1"/>
+              </a:solidFill>
+            </a:endParaRPr>
+          </a:p>
+        </p:txBody>
+      </p:sp>
+      <p:cxnSp>
+        <p:nvCxnSpPr>
+          <p:cNvPr id="70" name="Straight Arrow Connector 69"/>
+          <p:cNvCxnSpPr/>
+          <p:nvPr/>
+        </p:nvCxnSpPr>
+        <p:spPr>
+          <a:xfrm>
+            <a:off x="3608102" y="5947957"/>
+            <a:ext cx="1448755" cy="0"/>
+          </a:xfrm>
+          <a:prstGeom prst="straightConnector1">
+            <a:avLst/>
+          </a:prstGeom>
+          <a:ln w="19050">
+            <a:solidFill>
+              <a:schemeClr val="accent5">
+                <a:lumMod val="75000"/>
+              </a:schemeClr>
+            </a:solidFill>
+            <a:prstDash val="sysDash"/>
+            <a:headEnd type="arrow" w="med" len="med"/>
+            <a:tailEnd type="none" w="med" len="med"/>
+          </a:ln>
+        </p:spPr>
+        <p:style>
+          <a:lnRef idx="1">
+            <a:schemeClr val="accent1"/>
+          </a:lnRef>
+          <a:fillRef idx="0">
+            <a:schemeClr val="accent1"/>
+          </a:fillRef>
+          <a:effectRef idx="0">
+            <a:schemeClr val="accent1"/>
+          </a:effectRef>
+          <a:fontRef idx="minor">
+            <a:schemeClr val="tx1"/>
+          </a:fontRef>
+        </p:style>
+      </p:cxnSp>
+      <p:cxnSp>
+        <p:nvCxnSpPr>
+          <p:cNvPr id="85" name="Straight Connector 84"/>
+          <p:cNvCxnSpPr/>
+          <p:nvPr/>
+        </p:nvCxnSpPr>
+        <p:spPr>
+          <a:xfrm flipH="1">
+            <a:off x="304800" y="1242695"/>
+            <a:ext cx="9525" cy="2635885"/>
+          </a:xfrm>
+          <a:prstGeom prst="line">
+            <a:avLst/>
+          </a:prstGeom>
+          <a:ln w="19050">
+            <a:solidFill>
+              <a:schemeClr val="tx1"/>
+            </a:solidFill>
+            <a:prstDash val="sysDash"/>
+          </a:ln>
+          <a:effectLst/>
+        </p:spPr>
+        <p:style>
+          <a:lnRef idx="1">
+            <a:schemeClr val="accent1"/>
+          </a:lnRef>
+          <a:fillRef idx="2">
+            <a:schemeClr val="accent1"/>
+          </a:fillRef>
+          <a:effectRef idx="1">
+            <a:schemeClr val="accent1"/>
+          </a:effectRef>
+          <a:fontRef idx="minor">
+            <a:schemeClr val="dk1"/>
+          </a:fontRef>
+        </p:style>
+      </p:cxnSp>
+      <p:sp>
+        <p:nvSpPr>
+          <p:cNvPr id="45" name="Rectangle 62"/>
+          <p:cNvSpPr/>
+          <p:nvPr/>
+        </p:nvSpPr>
+        <p:spPr>
+          <a:xfrm>
+            <a:off x="1354094" y="4118302"/>
+            <a:ext cx="1093635" cy="346760"/>
+          </a:xfrm>
+          <a:prstGeom prst="rect">
+            <a:avLst/>
+          </a:prstGeom>
+          <a:solidFill>
+            <a:srgbClr val="00B050"/>
+          </a:solidFill>
+          <a:ln w="19050">
+            <a:solidFill>
+              <a:srgbClr val="00B050"/>
+            </a:solidFill>
+          </a:ln>
+          <a:effectLst/>
+        </p:spPr>
+        <p:style>
+          <a:lnRef idx="1">
+            <a:schemeClr val="accent2"/>
+          </a:lnRef>
+          <a:fillRef idx="2">
+            <a:schemeClr val="accent2"/>
+          </a:fillRef>
+          <a:effectRef idx="1">
+            <a:schemeClr val="accent2"/>
+          </a:effectRef>
+          <a:fontRef idx="minor">
+            <a:schemeClr val="dk1"/>
+          </a:fontRef>
+        </p:style>
+        <p:txBody>
+          <a:bodyPr rtlCol="0" anchor="ctr"/>
+          <a:lstStyle/>
+          <a:p>
+            <a:pPr algn="ctr"/>
+            <a:r>
+              <a:rPr lang="en-US" sz="1600" dirty="0" smtClean="0">
+                <a:solidFill>
+                  <a:schemeClr val="bg1"/>
+                </a:solidFill>
+              </a:rPr>
+              <a:t>:UI</a:t>
+            </a:r>
+            <a:endParaRPr lang="en-SG" sz="1600" dirty="0">
+              <a:solidFill>
+                <a:schemeClr val="bg1"/>
+              </a:solidFill>
+            </a:endParaRPr>
+          </a:p>
+        </p:txBody>
+      </p:sp>
+      <p:cxnSp>
+        <p:nvCxnSpPr>
+          <p:cNvPr id="46" name="Straight Connector 45"/>
+          <p:cNvCxnSpPr/>
+          <p:nvPr/>
+        </p:nvCxnSpPr>
+        <p:spPr>
+          <a:xfrm>
+            <a:off x="1900911" y="4481973"/>
+            <a:ext cx="0" cy="1723059"/>
+          </a:xfrm>
+          <a:prstGeom prst="line">
+            <a:avLst/>
+          </a:prstGeom>
+          <a:ln w="19050">
+            <a:solidFill>
+              <a:srgbClr val="00B050"/>
+            </a:solidFill>
+            <a:prstDash val="sysDash"/>
+          </a:ln>
+          <a:effectLst/>
+        </p:spPr>
+        <p:style>
+          <a:lnRef idx="1">
+            <a:schemeClr val="accent1"/>
+          </a:lnRef>
+          <a:fillRef idx="2">
+            <a:schemeClr val="accent1"/>
+          </a:fillRef>
+          <a:effectRef idx="1">
+            <a:schemeClr val="accent1"/>
+          </a:effectRef>
+          <a:fontRef idx="minor">
+            <a:schemeClr val="dk1"/>
+          </a:fontRef>
+        </p:style>
+      </p:cxnSp>
+      <p:sp>
+        <p:nvSpPr>
+          <p:cNvPr id="47" name="Rectangle 46"/>
+          <p:cNvSpPr/>
+          <p:nvPr/>
+        </p:nvSpPr>
+        <p:spPr>
+          <a:xfrm>
+            <a:off x="1828903" y="5510452"/>
+            <a:ext cx="130545" cy="273128"/>
+          </a:xfrm>
+          <a:prstGeom prst="rect">
+            <a:avLst/>
+          </a:prstGeom>
+          <a:solidFill>
+            <a:srgbClr val="00B050"/>
+          </a:solidFill>
+          <a:ln>
+            <a:solidFill>
+              <a:srgbClr val="00B050"/>
+            </a:solidFill>
+          </a:ln>
+          <a:effectLst/>
+        </p:spPr>
+        <p:style>
+          <a:lnRef idx="1">
+            <a:schemeClr val="accent3"/>
+          </a:lnRef>
+          <a:fillRef idx="2">
+            <a:schemeClr val="accent3"/>
+          </a:fillRef>
+          <a:effectRef idx="1">
+            <a:schemeClr val="accent3"/>
+          </a:effectRef>
+          <a:fontRef idx="minor">
+            <a:schemeClr val="dk1"/>
+          </a:fontRef>
+        </p:style>
+        <p:txBody>
+          <a:bodyPr rtlCol="0" anchor="ctr"/>
+          <a:lstStyle/>
+          <a:p>
+            <a:pPr algn="ctr"/>
+            <a:endParaRPr lang="en-SG" sz="1400">
+              <a:solidFill>
+                <a:schemeClr val="dk1"/>
+              </a:solidFill>
+            </a:endParaRPr>
+          </a:p>
+        </p:txBody>
+      </p:sp>
+      <p:cxnSp>
+        <p:nvCxnSpPr>
+          <p:cNvPr id="48" name="Straight Arrow Connector 47"/>
+          <p:cNvCxnSpPr/>
+          <p:nvPr/>
+        </p:nvCxnSpPr>
+        <p:spPr>
+          <a:xfrm flipH="1">
+            <a:off x="1981303" y="5783580"/>
+            <a:ext cx="3061842" cy="0"/>
+          </a:xfrm>
+          <a:prstGeom prst="straightConnector1">
+            <a:avLst/>
+          </a:prstGeom>
+          <a:ln w="19050">
+            <a:solidFill>
+              <a:srgbClr val="00B050"/>
+            </a:solidFill>
+            <a:prstDash val="sysDash"/>
+            <a:headEnd type="arrow" w="med" len="med"/>
+            <a:tailEnd type="none" w="med" len="med"/>
+          </a:ln>
+        </p:spPr>
+        <p:style>
+          <a:lnRef idx="1">
+            <a:schemeClr val="accent1"/>
+          </a:lnRef>
+          <a:fillRef idx="0">
+            <a:schemeClr val="accent1"/>
+          </a:fillRef>
+          <a:effectRef idx="0">
+            <a:schemeClr val="accent1"/>
+          </a:effectRef>
+          <a:fontRef idx="minor">
+            <a:schemeClr val="tx1"/>
+          </a:fontRef>
+        </p:style>
+      </p:cxnSp>
+      <p:cxnSp>
+        <p:nvCxnSpPr>
+          <p:cNvPr id="49" name="Straight Arrow Connector 48"/>
+          <p:cNvCxnSpPr/>
+          <p:nvPr/>
+        </p:nvCxnSpPr>
+        <p:spPr>
+          <a:xfrm>
+            <a:off x="1981303" y="5510452"/>
+            <a:ext cx="3061841" cy="0"/>
+          </a:xfrm>
+          <a:prstGeom prst="straightConnector1">
+            <a:avLst/>
+          </a:prstGeom>
+          <a:ln w="19050">
+            <a:solidFill>
+              <a:schemeClr val="accent5">
+                <a:lumMod val="75000"/>
+              </a:schemeClr>
+            </a:solidFill>
+            <a:headEnd type="arrow" w="med" len="med"/>
+            <a:tailEnd type="none" w="med" len="med"/>
+          </a:ln>
+        </p:spPr>
+        <p:style>
+          <a:lnRef idx="1">
+            <a:schemeClr val="accent1"/>
+          </a:lnRef>
+          <a:fillRef idx="0">
+            <a:schemeClr val="accent1"/>
+          </a:fillRef>
+          <a:effectRef idx="0">
+            <a:schemeClr val="accent1"/>
+          </a:effectRef>
+          <a:fontRef idx="minor">
+            <a:schemeClr val="tx1"/>
+          </a:fontRef>
+        </p:style>
+      </p:cxnSp>
+      <p:sp>
+        <p:nvSpPr>
+          <p:cNvPr id="50" name="TextBox 49"/>
+          <p:cNvSpPr txBox="1"/>
+          <p:nvPr/>
+        </p:nvSpPr>
+        <p:spPr>
+          <a:xfrm>
+            <a:off x="2048736" y="5235349"/>
+            <a:ext cx="2659870" cy="215265"/>
+          </a:xfrm>
+          <a:prstGeom prst="rect">
+            <a:avLst/>
+          </a:prstGeom>
+          <a:noFill/>
+        </p:spPr>
+        <p:txBody>
+          <a:bodyPr wrap="square" lIns="0" tIns="0" rIns="0" bIns="0" rtlCol="0">
+            <a:spAutoFit/>
+          </a:bodyPr>
+          <a:lstStyle/>
+          <a:p>
+            <a:r>
+              <a:rPr lang="en-US" sz="1400" dirty="0" err="1" smtClean="0">
+                <a:solidFill>
+                  <a:srgbClr val="00B050"/>
+                </a:solidFill>
+              </a:rPr>
+              <a:t>handleDirectoryChangedEvent</a:t>
+            </a:r>
+            <a:r>
+              <a:rPr lang="en-US" sz="1400" dirty="0" smtClean="0">
+                <a:solidFill>
+                  <a:srgbClr val="00B050"/>
+                </a:solidFill>
+              </a:rPr>
+              <a:t>()</a:t>
+            </a:r>
+            <a:endParaRPr lang="en-US" sz="1400" dirty="0">
+              <a:solidFill>
+                <a:srgbClr val="00B050"/>
+              </a:solidFill>
+            </a:endParaRPr>
+          </a:p>
+        </p:txBody>
+      </p:sp>
+      <p:grpSp>
+        <p:nvGrpSpPr>
+          <p:cNvPr id="13" name="Group 12"/>
+          <p:cNvGrpSpPr/>
+          <p:nvPr/>
+        </p:nvGrpSpPr>
+        <p:grpSpPr>
+          <a:xfrm>
+            <a:off x="1660594" y="5452012"/>
+            <a:ext cx="217349" cy="270072"/>
+            <a:chOff x="1028134" y="5612032"/>
+            <a:chExt cx="217349" cy="270072"/>
+          </a:xfrm>
+        </p:grpSpPr>
+        <p:sp>
+          <p:nvSpPr>
+            <p:cNvPr id="12" name="Freeform 11"/>
+            <p:cNvSpPr/>
+            <p:nvPr/>
+          </p:nvSpPr>
+          <p:spPr>
+            <a:xfrm rot="2600998" flipH="1" flipV="1">
+              <a:off x="1028134" y="5612032"/>
+              <a:ext cx="167452" cy="116880"/>
+            </a:xfrm>
+            <a:custGeom>
+              <a:avLst/>
+              <a:gdLst>
+                <a:gd name="connsiteX0" fmla="*/ 0 w 226400"/>
+                <a:gd name="connsiteY0" fmla="*/ 32920 h 171466"/>
+                <a:gd name="connsiteX1" fmla="*/ 157018 w 226400"/>
+                <a:gd name="connsiteY1" fmla="*/ 5211 h 171466"/>
+                <a:gd name="connsiteX2" fmla="*/ 221673 w 226400"/>
+                <a:gd name="connsiteY2" fmla="*/ 125284 h 171466"/>
+                <a:gd name="connsiteX3" fmla="*/ 36945 w 226400"/>
+                <a:gd name="connsiteY3" fmla="*/ 171466 h 171466"/>
+              </a:gdLst>
+              <a:ahLst/>
+              <a:cxnLst>
+                <a:cxn ang="0">
+                  <a:pos x="connsiteX0" y="connsiteY0"/>
+                </a:cxn>
+                <a:cxn ang="0">
+                  <a:pos x="connsiteX1" y="connsiteY1"/>
+                </a:cxn>
+                <a:cxn ang="0">
+                  <a:pos x="connsiteX2" y="connsiteY2"/>
+                </a:cxn>
+                <a:cxn ang="0">
+                  <a:pos x="connsiteX3" y="connsiteY3"/>
+                </a:cxn>
+              </a:cxnLst>
+              <a:rect l="l" t="t" r="r" b="b"/>
+              <a:pathLst>
+                <a:path w="226400" h="171466">
+                  <a:moveTo>
+                    <a:pt x="0" y="32920"/>
+                  </a:moveTo>
+                  <a:cubicBezTo>
+                    <a:pt x="60036" y="11368"/>
+                    <a:pt x="120073" y="-10183"/>
+                    <a:pt x="157018" y="5211"/>
+                  </a:cubicBezTo>
+                  <a:cubicBezTo>
+                    <a:pt x="193963" y="20605"/>
+                    <a:pt x="241685" y="97575"/>
+                    <a:pt x="221673" y="125284"/>
+                  </a:cubicBezTo>
+                  <a:cubicBezTo>
+                    <a:pt x="201661" y="152993"/>
+                    <a:pt x="119303" y="162229"/>
+                    <a:pt x="36945" y="171466"/>
+                  </a:cubicBezTo>
+                </a:path>
+              </a:pathLst>
+            </a:custGeom>
+            <a:ln w="19050">
+              <a:solidFill>
+                <a:srgbClr val="00B050"/>
+              </a:solidFill>
+              <a:headEnd type="arrow" w="med" len="med"/>
+              <a:tailEnd type="none" w="med" len="med"/>
+            </a:ln>
+          </p:spPr>
+          <p:style>
+            <a:lnRef idx="1">
+              <a:schemeClr val="accent1"/>
+            </a:lnRef>
+            <a:fillRef idx="0">
+              <a:schemeClr val="accent1"/>
+            </a:fillRef>
+            <a:effectRef idx="0">
+              <a:schemeClr val="accent1"/>
+            </a:effectRef>
+            <a:fontRef idx="minor">
+              <a:schemeClr val="tx1"/>
+            </a:fontRef>
+          </p:style>
+          <p:txBody>
+            <a:bodyPr rtlCol="0" anchor="ctr"/>
+            <a:lstStyle/>
+            <a:p>
+              <a:pPr algn="ctr"/>
+              <a:endParaRPr lang="en-SG"/>
+            </a:p>
+          </p:txBody>
+        </p:sp>
+        <p:sp>
+          <p:nvSpPr>
+            <p:cNvPr id="56" name="Rectangle 55"/>
+            <p:cNvSpPr/>
+            <p:nvPr/>
+          </p:nvSpPr>
+          <p:spPr>
+            <a:xfrm>
+              <a:off x="1147403" y="5712513"/>
+              <a:ext cx="98080" cy="169591"/>
+            </a:xfrm>
+            <a:prstGeom prst="rect">
+              <a:avLst/>
+            </a:prstGeom>
+            <a:solidFill>
+              <a:srgbClr val="00B050"/>
+            </a:solidFill>
+            <a:ln>
+              <a:solidFill>
+                <a:schemeClr val="bg1"/>
+              </a:solidFill>
+            </a:ln>
+            <a:effectLst/>
+          </p:spPr>
+          <p:style>
+            <a:lnRef idx="1">
+              <a:schemeClr val="accent3"/>
+            </a:lnRef>
+            <a:fillRef idx="2">
+              <a:schemeClr val="accent3"/>
+            </a:fillRef>
+            <a:effectRef idx="1">
+              <a:schemeClr val="accent3"/>
+            </a:effectRef>
+            <a:fontRef idx="minor">
+              <a:schemeClr val="dk1"/>
+            </a:fontRef>
+          </p:style>
+          <p:txBody>
+            <a:bodyPr rtlCol="0" anchor="ctr"/>
+            <a:lstStyle/>
+            <a:p>
+              <a:pPr algn="ctr"/>
+              <a:endParaRPr lang="en-SG" sz="1400">
+                <a:solidFill>
+                  <a:schemeClr val="dk1"/>
+                </a:solidFill>
+              </a:endParaRPr>
+            </a:p>
+          </p:txBody>
+        </p:sp>
+      </p:grpSp>
+      <p:sp>
+        <p:nvSpPr>
+          <p:cNvPr id="57" name="TextBox 56"/>
+          <p:cNvSpPr txBox="1"/>
+          <p:nvPr/>
+        </p:nvSpPr>
+        <p:spPr>
+          <a:xfrm>
+            <a:off x="190500" y="5353050"/>
+            <a:ext cx="1386205" cy="430530"/>
+          </a:xfrm>
+          <a:prstGeom prst="rect">
+            <a:avLst/>
+          </a:prstGeom>
+          <a:noFill/>
+        </p:spPr>
+        <p:txBody>
+          <a:bodyPr wrap="square" lIns="0" tIns="0" rIns="0" bIns="0" rtlCol="0">
+            <a:spAutoFit/>
+          </a:bodyPr>
+          <a:lstStyle/>
+          <a:p>
+            <a:pPr algn="ctr"/>
+            <a:r>
+              <a:rPr lang="en-US" sz="1400" dirty="0" smtClean="0">
+                <a:solidFill>
+                  <a:srgbClr val="00B050"/>
+                </a:solidFill>
+              </a:rPr>
+              <a:t>Update displayed directory</a:t>
+            </a:r>
+            <a:endParaRPr lang="en-US" sz="1400" dirty="0">
+              <a:solidFill>
+                <a:srgbClr val="00B050"/>
+              </a:solidFill>
+            </a:endParaRPr>
+          </a:p>
+        </p:txBody>
+      </p:sp>
+      <p:cxnSp>
+        <p:nvCxnSpPr>
+          <p:cNvPr id="3" name="Straight Arrow Connector 43"/>
+          <p:cNvCxnSpPr/>
+          <p:nvPr/>
+        </p:nvCxnSpPr>
+        <p:spPr>
+          <a:xfrm>
+            <a:off x="5933832" y="2252924"/>
+            <a:ext cx="2549946" cy="0"/>
+          </a:xfrm>
+          <a:prstGeom prst="straightConnector1">
+            <a:avLst/>
+          </a:prstGeom>
+          <a:ln w="19050">
+            <a:solidFill>
+              <a:schemeClr val="accent5">
+                <a:lumMod val="75000"/>
+              </a:schemeClr>
+            </a:solidFill>
+            <a:prstDash val="sysDash"/>
+            <a:headEnd type="arrow" w="med" len="med"/>
+            <a:tailEnd type="none" w="med" len="med"/>
+          </a:ln>
+        </p:spPr>
+        <p:style>
+          <a:lnRef idx="1">
+            <a:schemeClr val="accent1"/>
+          </a:lnRef>
+          <a:fillRef idx="0">
+            <a:schemeClr val="accent1"/>
+          </a:fillRef>
+          <a:effectRef idx="0">
+            <a:schemeClr val="accent1"/>
+          </a:effectRef>
+          <a:fontRef idx="minor">
+            <a:schemeClr val="tx1"/>
+          </a:fontRef>
+        </p:style>
+      </p:cxnSp>
+      <p:sp>
+        <p:nvSpPr>
+          <p:cNvPr id="4" name="Rectangle 40"/>
+          <p:cNvSpPr/>
+          <p:nvPr/>
+        </p:nvSpPr>
+        <p:spPr>
+          <a:xfrm>
+            <a:off x="8542655" y="2048510"/>
+            <a:ext cx="142240" cy="237490"/>
+          </a:xfrm>
+          <a:prstGeom prst="rect">
+            <a:avLst/>
+          </a:prstGeom>
+          <a:solidFill>
+            <a:schemeClr val="accent5">
+              <a:lumMod val="75000"/>
+            </a:schemeClr>
+          </a:solidFill>
+          <a:ln>
+            <a:solidFill>
+              <a:schemeClr val="accent5">
+                <a:lumMod val="75000"/>
+              </a:schemeClr>
+            </a:solidFill>
+          </a:ln>
+          <a:effectLst/>
+        </p:spPr>
+        <p:style>
+          <a:lnRef idx="1">
+            <a:schemeClr val="accent3"/>
+          </a:lnRef>
+          <a:fillRef idx="2">
+            <a:schemeClr val="accent3"/>
+          </a:fillRef>
+          <a:effectRef idx="1">
+            <a:schemeClr val="accent3"/>
+          </a:effectRef>
+          <a:fontRef idx="minor">
+            <a:schemeClr val="dk1"/>
+          </a:fontRef>
+        </p:style>
+        <p:txBody>
+          <a:bodyPr rtlCol="0" anchor="ctr"/>
+          <a:p>
+            <a:pPr algn="ctr"/>
+            <a:endParaRPr lang="en-SG" sz="1400">
+              <a:solidFill>
+                <a:schemeClr val="dk1"/>
+              </a:solidFill>
+            </a:endParaRPr>
+          </a:p>
+        </p:txBody>
+      </p:sp>
+      <p:cxnSp>
+        <p:nvCxnSpPr>
+          <p:cNvPr id="14" name="Straight Arrow Connector 41"/>
+          <p:cNvCxnSpPr/>
+          <p:nvPr/>
+        </p:nvCxnSpPr>
+        <p:spPr>
+          <a:xfrm>
+            <a:off x="5933832" y="2133287"/>
+            <a:ext cx="2568438" cy="0"/>
+          </a:xfrm>
+          <a:prstGeom prst="straightConnector1">
+            <a:avLst/>
+          </a:prstGeom>
+          <a:ln w="19050">
+            <a:solidFill>
+              <a:srgbClr val="7030A0"/>
+            </a:solidFill>
+            <a:tailEnd type="arrow"/>
+          </a:ln>
+        </p:spPr>
+        <p:style>
+          <a:lnRef idx="1">
+            <a:schemeClr val="accent1"/>
+          </a:lnRef>
+          <a:fillRef idx="0">
+            <a:schemeClr val="accent1"/>
+          </a:fillRef>
+          <a:effectRef idx="0">
+            <a:schemeClr val="accent1"/>
+          </a:effectRef>
+          <a:fontRef idx="minor">
+            <a:schemeClr val="tx1"/>
+          </a:fontRef>
+        </p:style>
+      </p:cxnSp>
+      <p:sp>
+        <p:nvSpPr>
+          <p:cNvPr id="15" name="TextBox 32"/>
+          <p:cNvSpPr txBox="1"/>
+          <p:nvPr/>
+        </p:nvSpPr>
+        <p:spPr>
+          <a:xfrm>
+            <a:off x="6104510" y="1806401"/>
+            <a:ext cx="2438400" cy="215265"/>
+          </a:xfrm>
+          <a:prstGeom prst="rect">
+            <a:avLst/>
+          </a:prstGeom>
+          <a:noFill/>
+        </p:spPr>
+        <p:txBody>
+          <a:bodyPr wrap="square" lIns="0" tIns="0" rIns="0" bIns="0" rtlCol="0">
+            <a:spAutoFit/>
+          </a:bodyPr>
+          <a:p>
+            <a:r>
+              <a:rPr lang="en-US" sz="1400" dirty="0" smtClean="0">
+                <a:solidFill>
+                  <a:schemeClr val="accent5">
+                    <a:lumMod val="75000"/>
+                  </a:schemeClr>
+                </a:solidFill>
+              </a:rPr>
+              <a:t>post(SaveIt</a:t>
+            </a:r>
+            <a:r>
+              <a:rPr lang="en-US" sz="1400" dirty="0" err="1" smtClean="0">
+                <a:solidFill>
+                  <a:schemeClr val="accent5">
+                    <a:lumMod val="75000"/>
+                  </a:schemeClr>
+                </a:solidFill>
+              </a:rPr>
+              <a:t>ChangedEvent</a:t>
+            </a:r>
+            <a:r>
+              <a:rPr lang="en-US" sz="1400" dirty="0" smtClean="0">
+                <a:solidFill>
+                  <a:schemeClr val="accent5">
+                    <a:lumMod val="75000"/>
+                  </a:schemeClr>
+                </a:solidFill>
+              </a:rPr>
+              <a:t>)</a:t>
+            </a:r>
+            <a:endParaRPr lang="en-US" sz="1400" dirty="0">
+              <a:solidFill>
+                <a:schemeClr val="accent5">
+                  <a:lumMod val="75000"/>
+                </a:schemeClr>
+              </a:solidFill>
+            </a:endParaRPr>
+          </a:p>
+        </p:txBody>
+      </p:sp>
+      <p:cxnSp>
+        <p:nvCxnSpPr>
+          <p:cNvPr id="27" name="Straight Arrow Connector 27"/>
+          <p:cNvCxnSpPr>
+            <a:endCxn id="41" idx="0"/>
+          </p:cNvCxnSpPr>
+          <p:nvPr/>
+        </p:nvCxnSpPr>
+        <p:spPr>
+          <a:xfrm>
+            <a:off x="3957955" y="2985135"/>
+            <a:ext cx="4655820" cy="27305"/>
+          </a:xfrm>
+          <a:prstGeom prst="straightConnector1">
+            <a:avLst/>
+          </a:prstGeom>
+          <a:ln w="19050">
+            <a:solidFill>
+              <a:srgbClr val="0070C0"/>
+            </a:solidFill>
+            <a:tailEnd type="arrow"/>
+          </a:ln>
+        </p:spPr>
+        <p:style>
+          <a:lnRef idx="1">
+            <a:schemeClr val="accent1"/>
+          </a:lnRef>
+          <a:fillRef idx="0">
+            <a:schemeClr val="accent1"/>
+          </a:fillRef>
+          <a:effectRef idx="0">
+            <a:schemeClr val="accent1"/>
+          </a:effectRef>
+          <a:fontRef idx="minor">
+            <a:schemeClr val="tx1"/>
+          </a:fontRef>
+        </p:style>
+      </p:cxnSp>
+      <p:cxnSp>
+        <p:nvCxnSpPr>
+          <p:cNvPr id="30" name="Straight Arrow Connector 27"/>
+          <p:cNvCxnSpPr/>
+          <p:nvPr/>
+        </p:nvCxnSpPr>
+        <p:spPr>
+          <a:xfrm>
+            <a:off x="2442845" y="4941570"/>
+            <a:ext cx="2586355" cy="3810"/>
+          </a:xfrm>
+          <a:prstGeom prst="straightConnector1">
+            <a:avLst/>
+          </a:prstGeom>
+          <a:ln w="19050">
+            <a:solidFill>
+              <a:srgbClr val="0070C0"/>
+            </a:solidFill>
+            <a:tailEnd type="arrow"/>
+          </a:ln>
+        </p:spPr>
+        <p:style>
+          <a:lnRef idx="1">
+            <a:schemeClr val="accent1"/>
+          </a:lnRef>
+          <a:fillRef idx="0">
+            <a:schemeClr val="accent1"/>
+          </a:fillRef>
+          <a:effectRef idx="0">
+            <a:schemeClr val="accent1"/>
+          </a:effectRef>
+          <a:fontRef idx="minor">
+            <a:schemeClr val="tx1"/>
+          </a:fontRef>
+        </p:style>
+      </p:cxnSp>
+    </p:spTree>
+  </p:cSld>
+  <p:clrMapOvr>
+    <a:masterClrMapping/>
+  </p:clrMapOvr>
+</p:sld>
+</file>
+
+<file path=ppt/slides/slide3.xml><?xml version="1.0" encoding="utf-8"?>
+<p:sld xmlns:a="http://schemas.openxmlformats.org/drawingml/2006/main" xmlns:r="http://schemas.openxmlformats.org/officeDocument/2006/relationships" xmlns:p="http://schemas.openxmlformats.org/presentationml/2006/main">
+  <p:cSld>
+    <p:spTree>
+      <p:nvGrpSpPr>
+        <p:cNvPr id="1" name=""/>
+        <p:cNvGrpSpPr/>
+        <p:nvPr/>
+      </p:nvGrpSpPr>
+      <p:grpSpPr/>
+      <p:sp>
+        <p:nvSpPr>
+          <p:cNvPr id="62" name="TextBox 61"/>
+          <p:cNvSpPr txBox="1"/>
+          <p:nvPr/>
+        </p:nvSpPr>
+        <p:spPr>
+          <a:xfrm>
+            <a:off x="3275039" y="2335779"/>
+            <a:ext cx="2716635" cy="215265"/>
+          </a:xfrm>
+          <a:prstGeom prst="rect">
+            <a:avLst/>
+          </a:prstGeom>
+          <a:noFill/>
+        </p:spPr>
+        <p:txBody>
+          <a:bodyPr wrap="square" lIns="0" tIns="0" rIns="0" bIns="0" rtlCol="0">
+            <a:spAutoFit/>
+          </a:bodyPr>
+          <a:p>
+            <a:r>
+              <a:rPr lang="en-US" sz="1400" dirty="0" smtClean="0">
+                <a:solidFill>
+                  <a:schemeClr val="accent5">
+                    <a:lumMod val="75000"/>
+                  </a:schemeClr>
+                </a:solidFill>
+              </a:rPr>
+              <a:t>post(</a:t>
+            </a:r>
+            <a:r>
+              <a:rPr lang="en-US" sz="1400" dirty="0" err="1" smtClean="0">
+                <a:solidFill>
+                  <a:schemeClr val="accent5">
+                    <a:lumMod val="75000"/>
+                  </a:schemeClr>
+                </a:solidFill>
+              </a:rPr>
+              <a:t>SaveIt</a:t>
+            </a:r>
+            <a:r>
+              <a:rPr lang="en-US" sz="1400" dirty="0" err="1" smtClean="0">
+                <a:solidFill>
+                  <a:schemeClr val="accent5">
+                    <a:lumMod val="75000"/>
+                  </a:schemeClr>
+                </a:solidFill>
+              </a:rPr>
+              <a:t>ChangedEvent</a:t>
+            </a:r>
+            <a:r>
+              <a:rPr lang="en-US" sz="1400" dirty="0" smtClean="0">
+                <a:solidFill>
+                  <a:schemeClr val="accent5">
+                    <a:lumMod val="75000"/>
+                  </a:schemeClr>
+                </a:solidFill>
+              </a:rPr>
+              <a:t>)</a:t>
+            </a:r>
+            <a:endParaRPr lang="en-US" sz="1400" dirty="0">
+              <a:solidFill>
+                <a:schemeClr val="accent5">
+                  <a:lumMod val="75000"/>
+                </a:schemeClr>
+              </a:solidFill>
+            </a:endParaRPr>
+          </a:p>
+        </p:txBody>
+      </p:sp>
+      <p:sp>
+        <p:nvSpPr>
+          <p:cNvPr id="66" name="Rectangle 62"/>
+          <p:cNvSpPr/>
+          <p:nvPr/>
+        </p:nvSpPr>
+        <p:spPr>
+          <a:xfrm>
+            <a:off x="5256091" y="1833338"/>
+            <a:ext cx="1371600" cy="346760"/>
+          </a:xfrm>
+          <a:prstGeom prst="rect">
+            <a:avLst/>
+          </a:prstGeom>
+          <a:solidFill>
+            <a:schemeClr val="accent5">
+              <a:lumMod val="75000"/>
+            </a:schemeClr>
+          </a:solidFill>
+          <a:ln w="19050">
+            <a:solidFill>
+              <a:schemeClr val="accent5">
+                <a:lumMod val="75000"/>
+              </a:schemeClr>
+            </a:solidFill>
+          </a:ln>
+          <a:effectLst/>
+        </p:spPr>
+        <p:style>
+          <a:lnRef idx="1">
+            <a:schemeClr val="accent2"/>
+          </a:lnRef>
+          <a:fillRef idx="2">
+            <a:schemeClr val="accent2"/>
+          </a:fillRef>
+          <a:effectRef idx="1">
+            <a:schemeClr val="accent2"/>
+          </a:effectRef>
+          <a:fontRef idx="minor">
+            <a:schemeClr val="dk1"/>
+          </a:fontRef>
+        </p:style>
+        <p:txBody>
+          <a:bodyPr rtlCol="0" anchor="ctr"/>
+          <a:p>
+            <a:pPr algn="ctr"/>
+            <a:r>
+              <a:rPr lang="en-US" sz="1600" dirty="0" smtClean="0">
+                <a:solidFill>
+                  <a:schemeClr val="bg1"/>
+                </a:solidFill>
+              </a:rPr>
+              <a:t>:</a:t>
+            </a:r>
+            <a:r>
+              <a:rPr lang="en-US" sz="1600" dirty="0" err="1" smtClean="0">
+                <a:solidFill>
+                  <a:schemeClr val="bg1"/>
+                </a:solidFill>
+              </a:rPr>
+              <a:t>EventsCenter</a:t>
+            </a:r>
+            <a:endParaRPr lang="en-SG" sz="1600" dirty="0">
+              <a:solidFill>
+                <a:schemeClr val="bg1"/>
+              </a:solidFill>
+            </a:endParaRPr>
+          </a:p>
+        </p:txBody>
+      </p:sp>
+      <p:cxnSp>
+        <p:nvCxnSpPr>
+          <p:cNvPr id="67" name="Straight Connector 66"/>
+          <p:cNvCxnSpPr/>
+          <p:nvPr/>
+        </p:nvCxnSpPr>
+        <p:spPr>
+          <a:xfrm>
+            <a:off x="5921676" y="2186392"/>
+            <a:ext cx="0" cy="1723059"/>
+          </a:xfrm>
+          <a:prstGeom prst="line">
+            <a:avLst/>
+          </a:prstGeom>
+          <a:ln w="19050">
+            <a:solidFill>
+              <a:schemeClr val="accent5">
+                <a:lumMod val="75000"/>
+              </a:schemeClr>
+            </a:solidFill>
+            <a:prstDash val="sysDash"/>
+          </a:ln>
+          <a:effectLst/>
+        </p:spPr>
+        <p:style>
+          <a:lnRef idx="1">
+            <a:schemeClr val="accent1"/>
+          </a:lnRef>
+          <a:fillRef idx="2">
+            <a:schemeClr val="accent1"/>
+          </a:fillRef>
+          <a:effectRef idx="1">
+            <a:schemeClr val="accent1"/>
+          </a:effectRef>
+          <a:fontRef idx="minor">
+            <a:schemeClr val="dk1"/>
+          </a:fontRef>
+        </p:style>
+      </p:cxnSp>
+      <p:sp>
+        <p:nvSpPr>
+          <p:cNvPr id="68" name="Rectangle 67"/>
+          <p:cNvSpPr/>
+          <p:nvPr/>
+        </p:nvSpPr>
+        <p:spPr>
+          <a:xfrm>
+            <a:off x="5849668" y="2609325"/>
+            <a:ext cx="142006" cy="1036757"/>
+          </a:xfrm>
+          <a:prstGeom prst="rect">
+            <a:avLst/>
+          </a:prstGeom>
+          <a:solidFill>
+            <a:schemeClr val="accent5">
+              <a:lumMod val="75000"/>
+            </a:schemeClr>
+          </a:solidFill>
+          <a:ln>
+            <a:solidFill>
+              <a:schemeClr val="accent5">
+                <a:lumMod val="75000"/>
+              </a:schemeClr>
+            </a:solidFill>
+          </a:ln>
+          <a:effectLst/>
+        </p:spPr>
+        <p:style>
+          <a:lnRef idx="1">
+            <a:schemeClr val="accent3"/>
+          </a:lnRef>
+          <a:fillRef idx="2">
+            <a:schemeClr val="accent3"/>
+          </a:fillRef>
+          <a:effectRef idx="1">
+            <a:schemeClr val="accent3"/>
+          </a:effectRef>
+          <a:fontRef idx="minor">
+            <a:schemeClr val="dk1"/>
+          </a:fontRef>
+        </p:style>
+        <p:txBody>
+          <a:bodyPr rtlCol="0" anchor="ctr"/>
+          <a:p>
+            <a:pPr algn="ctr"/>
+            <a:endParaRPr lang="en-SG" sz="1400">
+              <a:solidFill>
+                <a:schemeClr val="dk1"/>
+              </a:solidFill>
+            </a:endParaRPr>
+          </a:p>
+        </p:txBody>
+      </p:sp>
+      <p:cxnSp>
+        <p:nvCxnSpPr>
+          <p:cNvPr id="69" name="Straight Arrow Connector 68"/>
+          <p:cNvCxnSpPr/>
+          <p:nvPr/>
+        </p:nvCxnSpPr>
+        <p:spPr>
+          <a:xfrm>
+            <a:off x="4543874" y="2609325"/>
+            <a:ext cx="1295400" cy="0"/>
+          </a:xfrm>
+          <a:prstGeom prst="straightConnector1">
+            <a:avLst/>
+          </a:prstGeom>
+          <a:ln w="19050">
+            <a:solidFill>
+              <a:srgbClr val="7030A0"/>
+            </a:solidFill>
+            <a:tailEnd type="arrow"/>
+          </a:ln>
+        </p:spPr>
+        <p:style>
+          <a:lnRef idx="1">
+            <a:schemeClr val="accent1"/>
+          </a:lnRef>
+          <a:fillRef idx="0">
+            <a:schemeClr val="accent1"/>
+          </a:fillRef>
+          <a:effectRef idx="0">
+            <a:schemeClr val="accent1"/>
+          </a:effectRef>
+          <a:fontRef idx="minor">
+            <a:schemeClr val="tx1"/>
+          </a:fontRef>
+        </p:style>
+      </p:cxnSp>
+      <p:cxnSp>
+        <p:nvCxnSpPr>
+          <p:cNvPr id="70" name="Straight Arrow Connector 69"/>
+          <p:cNvCxnSpPr/>
+          <p:nvPr/>
+        </p:nvCxnSpPr>
+        <p:spPr>
+          <a:xfrm>
+            <a:off x="4440587" y="3646082"/>
+            <a:ext cx="1448755" cy="0"/>
+          </a:xfrm>
+          <a:prstGeom prst="straightConnector1">
+            <a:avLst/>
+          </a:prstGeom>
+          <a:ln w="19050">
+            <a:solidFill>
+              <a:schemeClr val="accent5">
+                <a:lumMod val="75000"/>
+              </a:schemeClr>
+            </a:solidFill>
+            <a:prstDash val="sysDash"/>
+            <a:headEnd type="arrow" w="med" len="med"/>
+            <a:tailEnd type="none" w="med" len="med"/>
+          </a:ln>
+        </p:spPr>
+        <p:style>
+          <a:lnRef idx="1">
+            <a:schemeClr val="accent1"/>
+          </a:lnRef>
+          <a:fillRef idx="0">
+            <a:schemeClr val="accent1"/>
+          </a:fillRef>
+          <a:effectRef idx="0">
+            <a:schemeClr val="accent1"/>
+          </a:effectRef>
+          <a:fontRef idx="minor">
+            <a:schemeClr val="tx1"/>
+          </a:fontRef>
+        </p:style>
+      </p:cxnSp>
+      <p:sp>
+        <p:nvSpPr>
+          <p:cNvPr id="45" name="Rectangle 62"/>
+          <p:cNvSpPr/>
+          <p:nvPr/>
+        </p:nvSpPr>
+        <p:spPr>
+          <a:xfrm>
+            <a:off x="2186579" y="1816427"/>
+            <a:ext cx="1093635" cy="346760"/>
+          </a:xfrm>
+          <a:prstGeom prst="rect">
+            <a:avLst/>
+          </a:prstGeom>
+          <a:solidFill>
+            <a:srgbClr val="00B050"/>
+          </a:solidFill>
+          <a:ln w="19050">
+            <a:solidFill>
+              <a:srgbClr val="00B050"/>
+            </a:solidFill>
+          </a:ln>
+          <a:effectLst/>
+        </p:spPr>
+        <p:style>
+          <a:lnRef idx="1">
+            <a:schemeClr val="accent2"/>
+          </a:lnRef>
+          <a:fillRef idx="2">
+            <a:schemeClr val="accent2"/>
+          </a:fillRef>
+          <a:effectRef idx="1">
+            <a:schemeClr val="accent2"/>
+          </a:effectRef>
+          <a:fontRef idx="minor">
+            <a:schemeClr val="dk1"/>
+          </a:fontRef>
+        </p:style>
+        <p:txBody>
+          <a:bodyPr rtlCol="0" anchor="ctr"/>
+          <a:p>
+            <a:pPr algn="ctr"/>
+            <a:r>
+              <a:rPr lang="en-US" sz="1600" dirty="0" smtClean="0">
+                <a:solidFill>
+                  <a:schemeClr val="bg1"/>
+                </a:solidFill>
+              </a:rPr>
+              <a:t>:UI</a:t>
+            </a:r>
+            <a:endParaRPr lang="en-SG" sz="1600" dirty="0">
+              <a:solidFill>
+                <a:schemeClr val="bg1"/>
+              </a:solidFill>
+            </a:endParaRPr>
+          </a:p>
+        </p:txBody>
+      </p:sp>
+      <p:cxnSp>
+        <p:nvCxnSpPr>
+          <p:cNvPr id="46" name="Straight Connector 45"/>
+          <p:cNvCxnSpPr/>
+          <p:nvPr/>
+        </p:nvCxnSpPr>
+        <p:spPr>
+          <a:xfrm>
+            <a:off x="2733396" y="2180098"/>
+            <a:ext cx="0" cy="1723059"/>
+          </a:xfrm>
+          <a:prstGeom prst="line">
+            <a:avLst/>
+          </a:prstGeom>
+          <a:ln w="19050">
+            <a:solidFill>
+              <a:srgbClr val="00B050"/>
+            </a:solidFill>
+            <a:prstDash val="sysDash"/>
+          </a:ln>
+          <a:effectLst/>
+        </p:spPr>
+        <p:style>
+          <a:lnRef idx="1">
+            <a:schemeClr val="accent1"/>
+          </a:lnRef>
+          <a:fillRef idx="2">
+            <a:schemeClr val="accent1"/>
+          </a:fillRef>
+          <a:effectRef idx="1">
+            <a:schemeClr val="accent1"/>
+          </a:effectRef>
+          <a:fontRef idx="minor">
+            <a:schemeClr val="dk1"/>
+          </a:fontRef>
+        </p:style>
+      </p:cxnSp>
+      <p:sp>
+        <p:nvSpPr>
+          <p:cNvPr id="47" name="Rectangle 46"/>
+          <p:cNvSpPr/>
+          <p:nvPr/>
+        </p:nvSpPr>
+        <p:spPr>
+          <a:xfrm>
+            <a:off x="2661388" y="3208577"/>
+            <a:ext cx="130545" cy="273128"/>
+          </a:xfrm>
+          <a:prstGeom prst="rect">
+            <a:avLst/>
+          </a:prstGeom>
+          <a:solidFill>
+            <a:srgbClr val="00B050"/>
+          </a:solidFill>
+          <a:ln>
+            <a:solidFill>
+              <a:srgbClr val="00B050"/>
+            </a:solidFill>
+          </a:ln>
+          <a:effectLst/>
+        </p:spPr>
+        <p:style>
+          <a:lnRef idx="1">
+            <a:schemeClr val="accent3"/>
+          </a:lnRef>
+          <a:fillRef idx="2">
+            <a:schemeClr val="accent3"/>
+          </a:fillRef>
+          <a:effectRef idx="1">
+            <a:schemeClr val="accent3"/>
+          </a:effectRef>
+          <a:fontRef idx="minor">
+            <a:schemeClr val="dk1"/>
+          </a:fontRef>
+        </p:style>
+        <p:txBody>
+          <a:bodyPr rtlCol="0" anchor="ctr"/>
+          <a:p>
+            <a:pPr algn="ctr"/>
+            <a:endParaRPr lang="en-SG" sz="1400">
+              <a:solidFill>
+                <a:schemeClr val="dk1"/>
+              </a:solidFill>
+            </a:endParaRPr>
+          </a:p>
+        </p:txBody>
+      </p:sp>
+      <p:cxnSp>
+        <p:nvCxnSpPr>
+          <p:cNvPr id="48" name="Straight Arrow Connector 47"/>
+          <p:cNvCxnSpPr/>
+          <p:nvPr/>
+        </p:nvCxnSpPr>
+        <p:spPr>
+          <a:xfrm flipH="1">
+            <a:off x="2813788" y="3481705"/>
+            <a:ext cx="3061842" cy="0"/>
+          </a:xfrm>
+          <a:prstGeom prst="straightConnector1">
+            <a:avLst/>
+          </a:prstGeom>
+          <a:ln w="19050">
+            <a:solidFill>
+              <a:srgbClr val="00B050"/>
+            </a:solidFill>
+            <a:prstDash val="sysDash"/>
+            <a:headEnd type="arrow" w="med" len="med"/>
+            <a:tailEnd type="none" w="med" len="med"/>
+          </a:ln>
+        </p:spPr>
+        <p:style>
+          <a:lnRef idx="1">
+            <a:schemeClr val="accent1"/>
+          </a:lnRef>
+          <a:fillRef idx="0">
+            <a:schemeClr val="accent1"/>
+          </a:fillRef>
+          <a:effectRef idx="0">
+            <a:schemeClr val="accent1"/>
+          </a:effectRef>
+          <a:fontRef idx="minor">
+            <a:schemeClr val="tx1"/>
+          </a:fontRef>
+        </p:style>
+      </p:cxnSp>
+      <p:cxnSp>
+        <p:nvCxnSpPr>
+          <p:cNvPr id="49" name="Straight Arrow Connector 48"/>
+          <p:cNvCxnSpPr/>
+          <p:nvPr/>
+        </p:nvCxnSpPr>
+        <p:spPr>
+          <a:xfrm>
+            <a:off x="2813788" y="3208577"/>
+            <a:ext cx="3061841" cy="0"/>
+          </a:xfrm>
+          <a:prstGeom prst="straightConnector1">
+            <a:avLst/>
+          </a:prstGeom>
+          <a:ln w="19050">
+            <a:solidFill>
+              <a:schemeClr val="accent5">
+                <a:lumMod val="75000"/>
+              </a:schemeClr>
+            </a:solidFill>
+            <a:headEnd type="arrow" w="med" len="med"/>
+            <a:tailEnd type="none" w="med" len="med"/>
+          </a:ln>
+        </p:spPr>
+        <p:style>
+          <a:lnRef idx="1">
+            <a:schemeClr val="accent1"/>
+          </a:lnRef>
+          <a:fillRef idx="0">
+            <a:schemeClr val="accent1"/>
+          </a:fillRef>
+          <a:effectRef idx="0">
+            <a:schemeClr val="accent1"/>
+          </a:effectRef>
+          <a:fontRef idx="minor">
+            <a:schemeClr val="tx1"/>
+          </a:fontRef>
+        </p:style>
+      </p:cxnSp>
+      <p:sp>
+        <p:nvSpPr>
+          <p:cNvPr id="50" name="TextBox 49"/>
+          <p:cNvSpPr txBox="1"/>
+          <p:nvPr/>
+        </p:nvSpPr>
+        <p:spPr>
+          <a:xfrm>
+            <a:off x="2881221" y="2933474"/>
+            <a:ext cx="2659870" cy="215265"/>
+          </a:xfrm>
+          <a:prstGeom prst="rect">
+            <a:avLst/>
+          </a:prstGeom>
+          <a:noFill/>
+        </p:spPr>
+        <p:txBody>
+          <a:bodyPr wrap="square" lIns="0" tIns="0" rIns="0" bIns="0" rtlCol="0">
+            <a:spAutoFit/>
+          </a:bodyPr>
+          <a:p>
+            <a:r>
+              <a:rPr lang="en-US" sz="1400" dirty="0" err="1" smtClean="0">
+                <a:solidFill>
+                  <a:srgbClr val="00B050"/>
+                </a:solidFill>
+              </a:rPr>
+              <a:t>handleSaveItChangedEvent</a:t>
+            </a:r>
+            <a:r>
+              <a:rPr lang="en-US" sz="1400" dirty="0" smtClean="0">
+                <a:solidFill>
+                  <a:srgbClr val="00B050"/>
+                </a:solidFill>
+              </a:rPr>
+              <a:t>()</a:t>
+            </a:r>
+            <a:endParaRPr lang="en-US" sz="1400" dirty="0">
+              <a:solidFill>
+                <a:srgbClr val="00B050"/>
+              </a:solidFill>
+            </a:endParaRPr>
+          </a:p>
+        </p:txBody>
+      </p:sp>
+      <p:grpSp>
+        <p:nvGrpSpPr>
+          <p:cNvPr id="13" name="Group 12"/>
+          <p:cNvGrpSpPr/>
+          <p:nvPr/>
+        </p:nvGrpSpPr>
+        <p:grpSpPr>
+          <a:xfrm>
+            <a:off x="2493079" y="3150137"/>
+            <a:ext cx="217349" cy="270072"/>
+            <a:chOff x="1028134" y="5612032"/>
+            <a:chExt cx="217349" cy="270072"/>
+          </a:xfrm>
+        </p:grpSpPr>
+        <p:sp>
+          <p:nvSpPr>
+            <p:cNvPr id="12" name="Freeform 11"/>
+            <p:cNvSpPr/>
+            <p:nvPr/>
+          </p:nvSpPr>
+          <p:spPr>
+            <a:xfrm rot="2600998" flipH="1" flipV="1">
+              <a:off x="1028134" y="5612032"/>
+              <a:ext cx="167452" cy="116880"/>
+            </a:xfrm>
+            <a:custGeom>
+              <a:avLst/>
+              <a:gdLst>
+                <a:gd name="connsiteX0" fmla="*/ 0 w 226400"/>
+                <a:gd name="connsiteY0" fmla="*/ 32920 h 171466"/>
+                <a:gd name="connsiteX1" fmla="*/ 157018 w 226400"/>
+                <a:gd name="connsiteY1" fmla="*/ 5211 h 171466"/>
+                <a:gd name="connsiteX2" fmla="*/ 221673 w 226400"/>
+                <a:gd name="connsiteY2" fmla="*/ 125284 h 171466"/>
+                <a:gd name="connsiteX3" fmla="*/ 36945 w 226400"/>
+                <a:gd name="connsiteY3" fmla="*/ 171466 h 171466"/>
+              </a:gdLst>
+              <a:ahLst/>
+              <a:cxnLst>
+                <a:cxn ang="0">
+                  <a:pos x="connsiteX0" y="connsiteY0"/>
+                </a:cxn>
+                <a:cxn ang="0">
+                  <a:pos x="connsiteX1" y="connsiteY1"/>
+                </a:cxn>
+                <a:cxn ang="0">
+                  <a:pos x="connsiteX2" y="connsiteY2"/>
+                </a:cxn>
+                <a:cxn ang="0">
+                  <a:pos x="connsiteX3" y="connsiteY3"/>
+                </a:cxn>
+              </a:cxnLst>
+              <a:rect l="l" t="t" r="r" b="b"/>
+              <a:pathLst>
+                <a:path w="226400" h="171466">
+                  <a:moveTo>
+                    <a:pt x="0" y="32920"/>
+                  </a:moveTo>
+                  <a:cubicBezTo>
+                    <a:pt x="60036" y="11368"/>
+                    <a:pt x="120073" y="-10183"/>
+                    <a:pt x="157018" y="5211"/>
+                  </a:cubicBezTo>
+                  <a:cubicBezTo>
+                    <a:pt x="193963" y="20605"/>
+                    <a:pt x="241685" y="97575"/>
+                    <a:pt x="221673" y="125284"/>
+                  </a:cubicBezTo>
+                  <a:cubicBezTo>
+                    <a:pt x="201661" y="152993"/>
+                    <a:pt x="119303" y="162229"/>
+                    <a:pt x="36945" y="171466"/>
+                  </a:cubicBezTo>
+                </a:path>
+              </a:pathLst>
+            </a:custGeom>
+            <a:ln w="19050">
+              <a:solidFill>
+                <a:srgbClr val="00B050"/>
+              </a:solidFill>
+              <a:headEnd type="arrow" w="med" len="med"/>
+              <a:tailEnd type="none" w="med" len="med"/>
+            </a:ln>
+          </p:spPr>
+          <p:style>
+            <a:lnRef idx="1">
+              <a:schemeClr val="accent1"/>
+            </a:lnRef>
+            <a:fillRef idx="0">
+              <a:schemeClr val="accent1"/>
+            </a:fillRef>
+            <a:effectRef idx="0">
+              <a:schemeClr val="accent1"/>
+            </a:effectRef>
+            <a:fontRef idx="minor">
+              <a:schemeClr val="tx1"/>
+            </a:fontRef>
+          </p:style>
+          <p:txBody>
+            <a:bodyPr rtlCol="0" anchor="ctr"/>
+            <a:p>
+              <a:pPr algn="ctr"/>
+              <a:endParaRPr lang="en-SG"/>
+            </a:p>
+          </p:txBody>
+        </p:sp>
+        <p:sp>
+          <p:nvSpPr>
+            <p:cNvPr id="56" name="Rectangle 55"/>
+            <p:cNvSpPr/>
+            <p:nvPr/>
+          </p:nvSpPr>
+          <p:spPr>
+            <a:xfrm>
+              <a:off x="1147403" y="5712513"/>
+              <a:ext cx="98080" cy="169591"/>
+            </a:xfrm>
+            <a:prstGeom prst="rect">
+              <a:avLst/>
+            </a:prstGeom>
+            <a:solidFill>
+              <a:srgbClr val="00B050"/>
+            </a:solidFill>
+            <a:ln>
+              <a:solidFill>
+                <a:schemeClr val="bg1"/>
+              </a:solidFill>
+            </a:ln>
+            <a:effectLst/>
+          </p:spPr>
+          <p:style>
+            <a:lnRef idx="1">
+              <a:schemeClr val="accent3"/>
+            </a:lnRef>
+            <a:fillRef idx="2">
+              <a:schemeClr val="accent3"/>
+            </a:fillRef>
+            <a:effectRef idx="1">
+              <a:schemeClr val="accent3"/>
+            </a:effectRef>
+            <a:fontRef idx="minor">
+              <a:schemeClr val="dk1"/>
+            </a:fontRef>
+          </p:style>
+          <p:txBody>
+            <a:bodyPr rtlCol="0" anchor="ctr"/>
+            <a:p>
+              <a:pPr algn="ctr"/>
+              <a:endParaRPr lang="en-SG" sz="1400">
+                <a:solidFill>
+                  <a:schemeClr val="dk1"/>
+                </a:solidFill>
+              </a:endParaRPr>
+            </a:p>
+          </p:txBody>
+        </p:sp>
+      </p:grpSp>
+      <p:sp>
+        <p:nvSpPr>
+          <p:cNvPr id="57" name="TextBox 56"/>
+          <p:cNvSpPr txBox="1"/>
+          <p:nvPr/>
+        </p:nvSpPr>
+        <p:spPr>
+          <a:xfrm>
+            <a:off x="1022985" y="3051175"/>
+            <a:ext cx="1386205" cy="430530"/>
+          </a:xfrm>
+          <a:prstGeom prst="rect">
+            <a:avLst/>
+          </a:prstGeom>
+          <a:noFill/>
+        </p:spPr>
+        <p:txBody>
+          <a:bodyPr wrap="square" lIns="0" tIns="0" rIns="0" bIns="0" rtlCol="0">
+            <a:spAutoFit/>
+          </a:bodyPr>
+          <a:p>
+            <a:pPr algn="ctr"/>
+            <a:r>
+              <a:rPr lang="en-US" sz="1400" dirty="0" smtClean="0">
+                <a:solidFill>
+                  <a:srgbClr val="00B050"/>
+                </a:solidFill>
+              </a:rPr>
+              <a:t>Update displayed directory</a:t>
+            </a:r>
+            <a:endParaRPr lang="en-US" sz="1400" dirty="0">
+              <a:solidFill>
+                <a:srgbClr val="00B050"/>
+              </a:solidFill>
+            </a:endParaRPr>
+          </a:p>
+        </p:txBody>
+      </p:sp>
+    </p:spTree>
   </p:cSld>
   <p:clrMapOvr>
     <a:masterClrMapping/>
@@ -6358,8 +9414,11 @@
       </a:bgFillStyleLst>
     </a:fmtScheme>
   </a:themeElements>
-  <a:objectDefaults/>
-  <a:extraClrSchemeLst/>
+  <a:extLst>
+    <a:ext uri="{05A4C25C-085E-4340-85A3-A5531E510DB2}">
+      <thm15:themeFamily xmlns:thm15="http://schemas.microsoft.com/office/thememl/2012/main" name="Office Theme" id="{62F939B6-93AF-4DB8-9C6B-D6C7DFDC589F}" vid="{4A3C46E8-61CC-4603-A589-7422A47A8E4A}"/>
+    </a:ext>
+  </a:extLst>
 </a:theme>
 </file>
 
@@ -6643,7 +9702,10 @@
       </a:bgFillStyleLst>
     </a:fmtScheme>
   </a:themeElements>
-  <a:objectDefaults/>
-  <a:extraClrSchemeLst/>
+  <a:extLst>
+    <a:ext uri="{05A4C25C-085E-4340-85A3-A5531E510DB2}">
+      <thm15:themeFamily xmlns:thm15="http://schemas.microsoft.com/office/thememl/2012/main" name="Office Theme" id="{62F939B6-93AF-4DB8-9C6B-D6C7DFDC589F}" vid="{4A3C46E8-61CC-4603-A589-7422A47A8E4A}"/>
+    </a:ext>
+  </a:extLst>
 </a:theme>
 </file>